--- a/Presentation_slides.pptx
+++ b/Presentation_slides.pptx
@@ -216,7 +216,7 @@
           <a:p>
             <a:fld id="{40EB83C8-2578-440A-903E-9032E4410010}" type="datetimeFigureOut">
               <a:rPr lang="en-US" smtClean="0"/>
-              <a:t>9/25/2022</a:t>
+              <a:t>5/7/2025</a:t>
             </a:fld>
             <a:endParaRPr lang="en-US"/>
           </a:p>
@@ -280,38 +280,37 @@
           <a:p>
             <a:pPr lvl="0"/>
             <a:r>
-              <a:rPr lang="en-US" smtClean="0"/>
+              <a:rPr lang="en-US"/>
               <a:t>Edit Master text styles</a:t>
             </a:r>
           </a:p>
           <a:p>
             <a:pPr lvl="1"/>
             <a:r>
-              <a:rPr lang="en-US" smtClean="0"/>
+              <a:rPr lang="en-US"/>
               <a:t>Second level</a:t>
             </a:r>
           </a:p>
           <a:p>
             <a:pPr lvl="2"/>
             <a:r>
-              <a:rPr lang="en-US" smtClean="0"/>
+              <a:rPr lang="en-US"/>
               <a:t>Third level</a:t>
             </a:r>
           </a:p>
           <a:p>
             <a:pPr lvl="3"/>
             <a:r>
-              <a:rPr lang="en-US" smtClean="0"/>
+              <a:rPr lang="en-US"/>
               <a:t>Fourth level</a:t>
             </a:r>
           </a:p>
           <a:p>
             <a:pPr lvl="4"/>
             <a:r>
-              <a:rPr lang="en-US" smtClean="0"/>
+              <a:rPr lang="en-US"/>
               <a:t>Fifth level</a:t>
             </a:r>
-            <a:endParaRPr lang="en-US"/>
           </a:p>
         </p:txBody>
       </p:sp>
@@ -528,7 +527,7 @@
           <a:bodyPr/>
           <a:lstStyle/>
           <a:p>
-            <a:endParaRPr lang="en-US" baseline="0" dirty="0" smtClean="0"/>
+            <a:endParaRPr lang="en-US" baseline="0" dirty="0"/>
           </a:p>
         </p:txBody>
       </p:sp>
@@ -1536,7 +1535,7 @@
           <a:bodyPr/>
           <a:lstStyle/>
           <a:p>
-            <a:endParaRPr lang="en-US" baseline="0" dirty="0" smtClean="0"/>
+            <a:endParaRPr lang="en-US" baseline="0" dirty="0"/>
           </a:p>
         </p:txBody>
       </p:sp>
@@ -1620,7 +1619,7 @@
           <a:bodyPr/>
           <a:lstStyle/>
           <a:p>
-            <a:endParaRPr lang="en-US" baseline="0" dirty="0" smtClean="0"/>
+            <a:endParaRPr lang="en-US" baseline="0" dirty="0"/>
           </a:p>
           <a:p>
             <a:endParaRPr lang="en-US" dirty="0"/>
@@ -2213,7 +2212,7 @@
           </a:lstStyle>
           <a:p>
             <a:r>
-              <a:rPr lang="en-US" smtClean="0"/>
+              <a:rPr lang="en-US"/>
               <a:t>Click to edit Master title style</a:t>
             </a:r>
             <a:endParaRPr lang="en-US" dirty="0"/>
@@ -2334,7 +2333,7 @@
           </a:lstStyle>
           <a:p>
             <a:r>
-              <a:rPr lang="en-US" smtClean="0"/>
+              <a:rPr lang="en-US"/>
               <a:t>Click to edit Master subtitle style</a:t>
             </a:r>
             <a:endParaRPr lang="en-US" dirty="0"/>
@@ -2358,7 +2357,7 @@
           <a:p>
             <a:fld id="{C799FD27-3ECA-4E6B-B524-557BF3BAEE6B}" type="datetimeFigureOut">
               <a:rPr lang="en-US" smtClean="0"/>
-              <a:t>9/25/2022</a:t>
+              <a:t>5/7/2025</a:t>
             </a:fld>
             <a:endParaRPr lang="en-US"/>
           </a:p>
@@ -2627,7 +2626,7 @@
           <a:lstStyle/>
           <a:p>
             <a:r>
-              <a:rPr lang="en-US" smtClean="0"/>
+              <a:rPr lang="en-US"/>
               <a:t>Click to edit Master title style</a:t>
             </a:r>
             <a:endParaRPr lang="en-US" dirty="0"/>
@@ -2714,7 +2713,7 @@
           </a:lstStyle>
           <a:p>
             <a:r>
-              <a:rPr lang="en-US" smtClean="0"/>
+              <a:rPr lang="en-US"/>
               <a:t>Click icon to add picture</a:t>
             </a:r>
             <a:endParaRPr lang="en-US" dirty="0"/>
@@ -2771,7 +2770,7 @@
           <a:p>
             <a:pPr lvl="0"/>
             <a:r>
-              <a:rPr lang="en-US" smtClean="0"/>
+              <a:rPr lang="en-US"/>
               <a:t>Edit Master text styles</a:t>
             </a:r>
           </a:p>
@@ -2794,7 +2793,7 @@
           <a:p>
             <a:fld id="{C799FD27-3ECA-4E6B-B524-557BF3BAEE6B}" type="datetimeFigureOut">
               <a:rPr lang="en-US" smtClean="0"/>
-              <a:t>9/25/2022</a:t>
+              <a:t>5/7/2025</a:t>
             </a:fld>
             <a:endParaRPr lang="en-US"/>
           </a:p>
@@ -2899,7 +2898,7 @@
           </a:lstStyle>
           <a:p>
             <a:r>
-              <a:rPr lang="en-US" smtClean="0"/>
+              <a:rPr lang="en-US"/>
               <a:t>Click to edit Master title style</a:t>
             </a:r>
             <a:endParaRPr lang="en-US" dirty="0"/>
@@ -3021,7 +3020,7 @@
           <a:p>
             <a:pPr lvl="0"/>
             <a:r>
-              <a:rPr lang="en-US" smtClean="0"/>
+              <a:rPr lang="en-US"/>
               <a:t>Edit Master text styles</a:t>
             </a:r>
           </a:p>
@@ -3044,7 +3043,7 @@
           <a:p>
             <a:fld id="{C799FD27-3ECA-4E6B-B524-557BF3BAEE6B}" type="datetimeFigureOut">
               <a:rPr lang="en-US" smtClean="0"/>
-              <a:t>9/25/2022</a:t>
+              <a:t>5/7/2025</a:t>
             </a:fld>
             <a:endParaRPr lang="en-US"/>
           </a:p>
@@ -3153,7 +3152,7 @@
           </a:lstStyle>
           <a:p>
             <a:r>
-              <a:rPr lang="en-US" smtClean="0"/>
+              <a:rPr lang="en-US"/>
               <a:t>Click to edit Master title style</a:t>
             </a:r>
             <a:endParaRPr lang="en-US" dirty="0"/>
@@ -3208,7 +3207,7 @@
           <a:p>
             <a:pPr lvl="0"/>
             <a:r>
-              <a:rPr lang="en-US" smtClean="0"/>
+              <a:rPr lang="en-US"/>
               <a:t>Edit Master text styles</a:t>
             </a:r>
           </a:p>
@@ -3329,7 +3328,7 @@
           <a:p>
             <a:pPr lvl="0"/>
             <a:r>
-              <a:rPr lang="en-US" smtClean="0"/>
+              <a:rPr lang="en-US"/>
               <a:t>Edit Master text styles</a:t>
             </a:r>
           </a:p>
@@ -3352,7 +3351,7 @@
           <a:p>
             <a:fld id="{C799FD27-3ECA-4E6B-B524-557BF3BAEE6B}" type="datetimeFigureOut">
               <a:rPr lang="en-US" smtClean="0"/>
-              <a:t>9/25/2022</a:t>
+              <a:t>5/7/2025</a:t>
             </a:fld>
             <a:endParaRPr lang="en-US"/>
           </a:p>
@@ -3525,7 +3524,7 @@
           </a:lstStyle>
           <a:p>
             <a:r>
-              <a:rPr lang="en-US" smtClean="0"/>
+              <a:rPr lang="en-US"/>
               <a:t>Click to edit Master title style</a:t>
             </a:r>
             <a:endParaRPr lang="en-US" dirty="0"/>
@@ -3647,7 +3646,7 @@
           <a:p>
             <a:pPr lvl="0"/>
             <a:r>
-              <a:rPr lang="en-US" smtClean="0"/>
+              <a:rPr lang="en-US"/>
               <a:t>Edit Master text styles</a:t>
             </a:r>
           </a:p>
@@ -3670,7 +3669,7 @@
           <a:p>
             <a:fld id="{C799FD27-3ECA-4E6B-B524-557BF3BAEE6B}" type="datetimeFigureOut">
               <a:rPr lang="en-US" smtClean="0"/>
-              <a:t>9/25/2022</a:t>
+              <a:t>5/7/2025</a:t>
             </a:fld>
             <a:endParaRPr lang="en-US"/>
           </a:p>
@@ -3779,7 +3778,7 @@
           </a:lstStyle>
           <a:p>
             <a:r>
-              <a:rPr lang="en-US" smtClean="0"/>
+              <a:rPr lang="en-US"/>
               <a:t>Click to edit Master title style</a:t>
             </a:r>
             <a:endParaRPr lang="en-US" dirty="0"/>
@@ -3828,7 +3827,7 @@
               <a:buNone/>
             </a:pPr>
             <a:r>
-              <a:rPr lang="en-US" smtClean="0"/>
+              <a:rPr lang="en-US"/>
               <a:t>Edit Master text styles</a:t>
             </a:r>
           </a:p>
@@ -3949,7 +3948,7 @@
           <a:p>
             <a:pPr lvl="0"/>
             <a:r>
-              <a:rPr lang="en-US" smtClean="0"/>
+              <a:rPr lang="en-US"/>
               <a:t>Edit Master text styles</a:t>
             </a:r>
           </a:p>
@@ -3972,7 +3971,7 @@
           <a:p>
             <a:fld id="{C799FD27-3ECA-4E6B-B524-557BF3BAEE6B}" type="datetimeFigureOut">
               <a:rPr lang="en-US" smtClean="0"/>
-              <a:t>9/25/2022</a:t>
+              <a:t>5/7/2025</a:t>
             </a:fld>
             <a:endParaRPr lang="en-US"/>
           </a:p>
@@ -4146,7 +4145,7 @@
           <a:p>
             <a:pPr marL="0" lvl="0"/>
             <a:r>
-              <a:rPr lang="en-US" smtClean="0"/>
+              <a:rPr lang="en-US"/>
               <a:t>Click to edit Master title style</a:t>
             </a:r>
             <a:endParaRPr lang="en-US" dirty="0"/>
@@ -4195,7 +4194,7 @@
               <a:buNone/>
             </a:pPr>
             <a:r>
-              <a:rPr lang="en-US" smtClean="0"/>
+              <a:rPr lang="en-US"/>
               <a:t>Edit Master text styles</a:t>
             </a:r>
           </a:p>
@@ -4316,7 +4315,7 @@
           <a:p>
             <a:pPr lvl="0"/>
             <a:r>
-              <a:rPr lang="en-US" smtClean="0"/>
+              <a:rPr lang="en-US"/>
               <a:t>Edit Master text styles</a:t>
             </a:r>
           </a:p>
@@ -4339,7 +4338,7 @@
           <a:p>
             <a:fld id="{C799FD27-3ECA-4E6B-B524-557BF3BAEE6B}" type="datetimeFigureOut">
               <a:rPr lang="en-US" smtClean="0"/>
-              <a:t>9/25/2022</a:t>
+              <a:t>5/7/2025</a:t>
             </a:fld>
             <a:endParaRPr lang="en-US"/>
           </a:p>
@@ -4437,7 +4436,7 @@
           </a:lstStyle>
           <a:p>
             <a:r>
-              <a:rPr lang="en-US" smtClean="0"/>
+              <a:rPr lang="en-US"/>
               <a:t>Click to edit Master title style</a:t>
             </a:r>
             <a:endParaRPr lang="en-US" dirty="0"/>
@@ -4461,35 +4460,35 @@
           <a:p>
             <a:pPr lvl="0"/>
             <a:r>
-              <a:rPr lang="en-US" smtClean="0"/>
+              <a:rPr lang="en-US"/>
               <a:t>Edit Master text styles</a:t>
             </a:r>
           </a:p>
           <a:p>
             <a:pPr lvl="1"/>
             <a:r>
-              <a:rPr lang="en-US" smtClean="0"/>
+              <a:rPr lang="en-US"/>
               <a:t>Second level</a:t>
             </a:r>
           </a:p>
           <a:p>
             <a:pPr lvl="2"/>
             <a:r>
-              <a:rPr lang="en-US" smtClean="0"/>
+              <a:rPr lang="en-US"/>
               <a:t>Third level</a:t>
             </a:r>
           </a:p>
           <a:p>
             <a:pPr lvl="3"/>
             <a:r>
-              <a:rPr lang="en-US" smtClean="0"/>
+              <a:rPr lang="en-US"/>
               <a:t>Fourth level</a:t>
             </a:r>
           </a:p>
           <a:p>
             <a:pPr lvl="4"/>
             <a:r>
-              <a:rPr lang="en-US" smtClean="0"/>
+              <a:rPr lang="en-US"/>
               <a:t>Fifth level</a:t>
             </a:r>
             <a:endParaRPr lang="en-US" dirty="0"/>
@@ -4513,7 +4512,7 @@
           <a:p>
             <a:fld id="{C799FD27-3ECA-4E6B-B524-557BF3BAEE6B}" type="datetimeFigureOut">
               <a:rPr lang="en-US" smtClean="0"/>
-              <a:t>9/25/2022</a:t>
+              <a:t>5/7/2025</a:t>
             </a:fld>
             <a:endParaRPr lang="en-US"/>
           </a:p>
@@ -4612,7 +4611,7 @@
           <a:lstStyle/>
           <a:p>
             <a:r>
-              <a:rPr lang="en-US" smtClean="0"/>
+              <a:rPr lang="en-US"/>
               <a:t>Click to edit Master title style</a:t>
             </a:r>
             <a:endParaRPr lang="en-US" dirty="0"/>
@@ -4641,35 +4640,35 @@
           <a:p>
             <a:pPr lvl="0"/>
             <a:r>
-              <a:rPr lang="en-US" smtClean="0"/>
+              <a:rPr lang="en-US"/>
               <a:t>Edit Master text styles</a:t>
             </a:r>
           </a:p>
           <a:p>
             <a:pPr lvl="1"/>
             <a:r>
-              <a:rPr lang="en-US" smtClean="0"/>
+              <a:rPr lang="en-US"/>
               <a:t>Second level</a:t>
             </a:r>
           </a:p>
           <a:p>
             <a:pPr lvl="2"/>
             <a:r>
-              <a:rPr lang="en-US" smtClean="0"/>
+              <a:rPr lang="en-US"/>
               <a:t>Third level</a:t>
             </a:r>
           </a:p>
           <a:p>
             <a:pPr lvl="3"/>
             <a:r>
-              <a:rPr lang="en-US" smtClean="0"/>
+              <a:rPr lang="en-US"/>
               <a:t>Fourth level</a:t>
             </a:r>
           </a:p>
           <a:p>
             <a:pPr lvl="4"/>
             <a:r>
-              <a:rPr lang="en-US" smtClean="0"/>
+              <a:rPr lang="en-US"/>
               <a:t>Fifth level</a:t>
             </a:r>
             <a:endParaRPr lang="en-US" dirty="0"/>
@@ -4693,7 +4692,7 @@
           <a:p>
             <a:fld id="{C799FD27-3ECA-4E6B-B524-557BF3BAEE6B}" type="datetimeFigureOut">
               <a:rPr lang="en-US" smtClean="0"/>
-              <a:t>9/25/2022</a:t>
+              <a:t>5/7/2025</a:t>
             </a:fld>
             <a:endParaRPr lang="en-US"/>
           </a:p>
@@ -4787,7 +4786,7 @@
           <a:lstStyle/>
           <a:p>
             <a:r>
-              <a:rPr lang="en-US" smtClean="0"/>
+              <a:rPr lang="en-US"/>
               <a:t>Click to edit Master title style</a:t>
             </a:r>
             <a:endParaRPr lang="en-US" dirty="0"/>
@@ -4811,35 +4810,35 @@
           <a:p>
             <a:pPr lvl="0"/>
             <a:r>
-              <a:rPr lang="en-US" smtClean="0"/>
+              <a:rPr lang="en-US"/>
               <a:t>Edit Master text styles</a:t>
             </a:r>
           </a:p>
           <a:p>
             <a:pPr lvl="1"/>
             <a:r>
-              <a:rPr lang="en-US" smtClean="0"/>
+              <a:rPr lang="en-US"/>
               <a:t>Second level</a:t>
             </a:r>
           </a:p>
           <a:p>
             <a:pPr lvl="2"/>
             <a:r>
-              <a:rPr lang="en-US" smtClean="0"/>
+              <a:rPr lang="en-US"/>
               <a:t>Third level</a:t>
             </a:r>
           </a:p>
           <a:p>
             <a:pPr lvl="3"/>
             <a:r>
-              <a:rPr lang="en-US" smtClean="0"/>
+              <a:rPr lang="en-US"/>
               <a:t>Fourth level</a:t>
             </a:r>
           </a:p>
           <a:p>
             <a:pPr lvl="4"/>
             <a:r>
-              <a:rPr lang="en-US" smtClean="0"/>
+              <a:rPr lang="en-US"/>
               <a:t>Fifth level</a:t>
             </a:r>
             <a:endParaRPr lang="en-US" dirty="0"/>
@@ -4863,7 +4862,7 @@
           <a:p>
             <a:fld id="{C799FD27-3ECA-4E6B-B524-557BF3BAEE6B}" type="datetimeFigureOut">
               <a:rPr lang="en-US" smtClean="0"/>
-              <a:t>9/25/2022</a:t>
+              <a:t>5/7/2025</a:t>
             </a:fld>
             <a:endParaRPr lang="en-US"/>
           </a:p>
@@ -4968,7 +4967,7 @@
           </a:lstStyle>
           <a:p>
             <a:r>
-              <a:rPr lang="en-US" smtClean="0"/>
+              <a:rPr lang="en-US"/>
               <a:t>Click to edit Master title style</a:t>
             </a:r>
             <a:endParaRPr lang="en-US" dirty="0"/>
@@ -5090,7 +5089,7 @@
           <a:p>
             <a:pPr lvl="0"/>
             <a:r>
-              <a:rPr lang="en-US" smtClean="0"/>
+              <a:rPr lang="en-US"/>
               <a:t>Edit Master text styles</a:t>
             </a:r>
           </a:p>
@@ -5113,7 +5112,7 @@
           <a:p>
             <a:fld id="{C799FD27-3ECA-4E6B-B524-557BF3BAEE6B}" type="datetimeFigureOut">
               <a:rPr lang="en-US" smtClean="0"/>
-              <a:t>9/25/2022</a:t>
+              <a:t>5/7/2025</a:t>
             </a:fld>
             <a:endParaRPr lang="en-US"/>
           </a:p>
@@ -5207,7 +5206,7 @@
           <a:lstStyle/>
           <a:p>
             <a:r>
-              <a:rPr lang="en-US" smtClean="0"/>
+              <a:rPr lang="en-US"/>
               <a:t>Click to edit Master title style</a:t>
             </a:r>
             <a:endParaRPr lang="en-US" dirty="0"/>
@@ -5238,35 +5237,35 @@
           <a:p>
             <a:pPr lvl="0"/>
             <a:r>
-              <a:rPr lang="en-US" smtClean="0"/>
+              <a:rPr lang="en-US"/>
               <a:t>Edit Master text styles</a:t>
             </a:r>
           </a:p>
           <a:p>
             <a:pPr lvl="1"/>
             <a:r>
-              <a:rPr lang="en-US" smtClean="0"/>
+              <a:rPr lang="en-US"/>
               <a:t>Second level</a:t>
             </a:r>
           </a:p>
           <a:p>
             <a:pPr lvl="2"/>
             <a:r>
-              <a:rPr lang="en-US" smtClean="0"/>
+              <a:rPr lang="en-US"/>
               <a:t>Third level</a:t>
             </a:r>
           </a:p>
           <a:p>
             <a:pPr lvl="3"/>
             <a:r>
-              <a:rPr lang="en-US" smtClean="0"/>
+              <a:rPr lang="en-US"/>
               <a:t>Fourth level</a:t>
             </a:r>
           </a:p>
           <a:p>
             <a:pPr lvl="4"/>
             <a:r>
-              <a:rPr lang="en-US" smtClean="0"/>
+              <a:rPr lang="en-US"/>
               <a:t>Fifth level</a:t>
             </a:r>
             <a:endParaRPr lang="en-US" dirty="0"/>
@@ -5297,35 +5296,35 @@
           <a:p>
             <a:pPr lvl="0"/>
             <a:r>
-              <a:rPr lang="en-US" smtClean="0"/>
+              <a:rPr lang="en-US"/>
               <a:t>Edit Master text styles</a:t>
             </a:r>
           </a:p>
           <a:p>
             <a:pPr lvl="1"/>
             <a:r>
-              <a:rPr lang="en-US" smtClean="0"/>
+              <a:rPr lang="en-US"/>
               <a:t>Second level</a:t>
             </a:r>
           </a:p>
           <a:p>
             <a:pPr lvl="2"/>
             <a:r>
-              <a:rPr lang="en-US" smtClean="0"/>
+              <a:rPr lang="en-US"/>
               <a:t>Third level</a:t>
             </a:r>
           </a:p>
           <a:p>
             <a:pPr lvl="3"/>
             <a:r>
-              <a:rPr lang="en-US" smtClean="0"/>
+              <a:rPr lang="en-US"/>
               <a:t>Fourth level</a:t>
             </a:r>
           </a:p>
           <a:p>
             <a:pPr lvl="4"/>
             <a:r>
-              <a:rPr lang="en-US" smtClean="0"/>
+              <a:rPr lang="en-US"/>
               <a:t>Fifth level</a:t>
             </a:r>
             <a:endParaRPr lang="en-US" dirty="0"/>
@@ -5349,7 +5348,7 @@
           <a:p>
             <a:fld id="{C799FD27-3ECA-4E6B-B524-557BF3BAEE6B}" type="datetimeFigureOut">
               <a:rPr lang="en-US" smtClean="0"/>
-              <a:t>9/25/2022</a:t>
+              <a:t>5/7/2025</a:t>
             </a:fld>
             <a:endParaRPr lang="en-US"/>
           </a:p>
@@ -5447,7 +5446,7 @@
           </a:lstStyle>
           <a:p>
             <a:r>
-              <a:rPr lang="en-US" smtClean="0"/>
+              <a:rPr lang="en-US"/>
               <a:t>Click to edit Master title style</a:t>
             </a:r>
             <a:endParaRPr lang="en-US" dirty="0"/>
@@ -5519,7 +5518,7 @@
           <a:p>
             <a:pPr lvl="0"/>
             <a:r>
-              <a:rPr lang="en-US" smtClean="0"/>
+              <a:rPr lang="en-US"/>
               <a:t>Edit Master text styles</a:t>
             </a:r>
           </a:p>
@@ -5549,35 +5548,35 @@
           <a:p>
             <a:pPr lvl="0"/>
             <a:r>
-              <a:rPr lang="en-US" smtClean="0"/>
+              <a:rPr lang="en-US"/>
               <a:t>Edit Master text styles</a:t>
             </a:r>
           </a:p>
           <a:p>
             <a:pPr lvl="1"/>
             <a:r>
-              <a:rPr lang="en-US" smtClean="0"/>
+              <a:rPr lang="en-US"/>
               <a:t>Second level</a:t>
             </a:r>
           </a:p>
           <a:p>
             <a:pPr lvl="2"/>
             <a:r>
-              <a:rPr lang="en-US" smtClean="0"/>
+              <a:rPr lang="en-US"/>
               <a:t>Third level</a:t>
             </a:r>
           </a:p>
           <a:p>
             <a:pPr lvl="3"/>
             <a:r>
-              <a:rPr lang="en-US" smtClean="0"/>
+              <a:rPr lang="en-US"/>
               <a:t>Fourth level</a:t>
             </a:r>
           </a:p>
           <a:p>
             <a:pPr lvl="4"/>
             <a:r>
-              <a:rPr lang="en-US" smtClean="0"/>
+              <a:rPr lang="en-US"/>
               <a:t>Fifth level</a:t>
             </a:r>
             <a:endParaRPr lang="en-US" dirty="0"/>
@@ -5649,7 +5648,7 @@
           <a:p>
             <a:pPr lvl="0"/>
             <a:r>
-              <a:rPr lang="en-US" smtClean="0"/>
+              <a:rPr lang="en-US"/>
               <a:t>Edit Master text styles</a:t>
             </a:r>
           </a:p>
@@ -5679,35 +5678,35 @@
           <a:p>
             <a:pPr lvl="0"/>
             <a:r>
-              <a:rPr lang="en-US" smtClean="0"/>
+              <a:rPr lang="en-US"/>
               <a:t>Edit Master text styles</a:t>
             </a:r>
           </a:p>
           <a:p>
             <a:pPr lvl="1"/>
             <a:r>
-              <a:rPr lang="en-US" smtClean="0"/>
+              <a:rPr lang="en-US"/>
               <a:t>Second level</a:t>
             </a:r>
           </a:p>
           <a:p>
             <a:pPr lvl="2"/>
             <a:r>
-              <a:rPr lang="en-US" smtClean="0"/>
+              <a:rPr lang="en-US"/>
               <a:t>Third level</a:t>
             </a:r>
           </a:p>
           <a:p>
             <a:pPr lvl="3"/>
             <a:r>
-              <a:rPr lang="en-US" smtClean="0"/>
+              <a:rPr lang="en-US"/>
               <a:t>Fourth level</a:t>
             </a:r>
           </a:p>
           <a:p>
             <a:pPr lvl="4"/>
             <a:r>
-              <a:rPr lang="en-US" smtClean="0"/>
+              <a:rPr lang="en-US"/>
               <a:t>Fifth level</a:t>
             </a:r>
             <a:endParaRPr lang="en-US" dirty="0"/>
@@ -5731,7 +5730,7 @@
           <a:p>
             <a:fld id="{C799FD27-3ECA-4E6B-B524-557BF3BAEE6B}" type="datetimeFigureOut">
               <a:rPr lang="en-US" smtClean="0"/>
-              <a:t>9/25/2022</a:t>
+              <a:t>5/7/2025</a:t>
             </a:fld>
             <a:endParaRPr lang="en-US"/>
           </a:p>
@@ -5825,7 +5824,7 @@
           <a:lstStyle/>
           <a:p>
             <a:r>
-              <a:rPr lang="en-US" smtClean="0"/>
+              <a:rPr lang="en-US"/>
               <a:t>Click to edit Master title style</a:t>
             </a:r>
             <a:endParaRPr lang="en-US" dirty="0"/>
@@ -5849,7 +5848,7 @@
           <a:p>
             <a:fld id="{C799FD27-3ECA-4E6B-B524-557BF3BAEE6B}" type="datetimeFigureOut">
               <a:rPr lang="en-US" smtClean="0"/>
-              <a:t>9/25/2022</a:t>
+              <a:t>5/7/2025</a:t>
             </a:fld>
             <a:endParaRPr lang="en-US"/>
           </a:p>
@@ -5944,7 +5943,7 @@
           <a:p>
             <a:fld id="{C799FD27-3ECA-4E6B-B524-557BF3BAEE6B}" type="datetimeFigureOut">
               <a:rPr lang="en-US" smtClean="0"/>
-              <a:t>9/25/2022</a:t>
+              <a:t>5/7/2025</a:t>
             </a:fld>
             <a:endParaRPr lang="en-US"/>
           </a:p>
@@ -6049,7 +6048,7 @@
           </a:lstStyle>
           <a:p>
             <a:r>
-              <a:rPr lang="en-US" smtClean="0"/>
+              <a:rPr lang="en-US"/>
               <a:t>Click to edit Master title style</a:t>
             </a:r>
             <a:endParaRPr lang="en-US" dirty="0"/>
@@ -6080,35 +6079,35 @@
           <a:p>
             <a:pPr lvl="0"/>
             <a:r>
-              <a:rPr lang="en-US" smtClean="0"/>
+              <a:rPr lang="en-US"/>
               <a:t>Edit Master text styles</a:t>
             </a:r>
           </a:p>
           <a:p>
             <a:pPr lvl="1"/>
             <a:r>
-              <a:rPr lang="en-US" smtClean="0"/>
+              <a:rPr lang="en-US"/>
               <a:t>Second level</a:t>
             </a:r>
           </a:p>
           <a:p>
             <a:pPr lvl="2"/>
             <a:r>
-              <a:rPr lang="en-US" smtClean="0"/>
+              <a:rPr lang="en-US"/>
               <a:t>Third level</a:t>
             </a:r>
           </a:p>
           <a:p>
             <a:pPr lvl="3"/>
             <a:r>
-              <a:rPr lang="en-US" smtClean="0"/>
+              <a:rPr lang="en-US"/>
               <a:t>Fourth level</a:t>
             </a:r>
           </a:p>
           <a:p>
             <a:pPr lvl="4"/>
             <a:r>
-              <a:rPr lang="en-US" smtClean="0"/>
+              <a:rPr lang="en-US"/>
               <a:t>Fifth level</a:t>
             </a:r>
             <a:endParaRPr lang="en-US" dirty="0"/>
@@ -6176,7 +6175,7 @@
           <a:p>
             <a:pPr lvl="0"/>
             <a:r>
-              <a:rPr lang="en-US" smtClean="0"/>
+              <a:rPr lang="en-US"/>
               <a:t>Edit Master text styles</a:t>
             </a:r>
           </a:p>
@@ -6199,7 +6198,7 @@
           <a:p>
             <a:fld id="{C799FD27-3ECA-4E6B-B524-557BF3BAEE6B}" type="datetimeFigureOut">
               <a:rPr lang="en-US" smtClean="0"/>
-              <a:t>9/25/2022</a:t>
+              <a:t>5/7/2025</a:t>
             </a:fld>
             <a:endParaRPr lang="en-US"/>
           </a:p>
@@ -6304,7 +6303,7 @@
           </a:lstStyle>
           <a:p>
             <a:r>
-              <a:rPr lang="en-US" smtClean="0"/>
+              <a:rPr lang="en-US"/>
               <a:t>Click to edit Master title style</a:t>
             </a:r>
             <a:endParaRPr lang="en-US" dirty="0"/>
@@ -6391,7 +6390,7 @@
           </a:lstStyle>
           <a:p>
             <a:r>
-              <a:rPr lang="en-US" smtClean="0"/>
+              <a:rPr lang="en-US"/>
               <a:t>Click icon to add picture</a:t>
             </a:r>
             <a:endParaRPr lang="en-US" dirty="0"/>
@@ -6459,7 +6458,7 @@
           <a:p>
             <a:pPr lvl="0"/>
             <a:r>
-              <a:rPr lang="en-US" smtClean="0"/>
+              <a:rPr lang="en-US"/>
               <a:t>Edit Master text styles</a:t>
             </a:r>
           </a:p>
@@ -6482,7 +6481,7 @@
           <a:p>
             <a:fld id="{C799FD27-3ECA-4E6B-B524-557BF3BAEE6B}" type="datetimeFigureOut">
               <a:rPr lang="en-US" smtClean="0"/>
-              <a:t>9/25/2022</a:t>
+              <a:t>5/7/2025</a:t>
             </a:fld>
             <a:endParaRPr lang="en-US"/>
           </a:p>
@@ -6782,7 +6781,7 @@
           <a:lstStyle/>
           <a:p>
             <a:r>
-              <a:rPr lang="en-US" smtClean="0"/>
+              <a:rPr lang="en-US"/>
               <a:t>Click to edit Master title style</a:t>
             </a:r>
             <a:endParaRPr lang="en-US" dirty="0"/>
@@ -6816,35 +6815,35 @@
           <a:p>
             <a:pPr lvl="0"/>
             <a:r>
-              <a:rPr lang="en-US" smtClean="0"/>
+              <a:rPr lang="en-US"/>
               <a:t>Edit Master text styles</a:t>
             </a:r>
           </a:p>
           <a:p>
             <a:pPr lvl="1"/>
             <a:r>
-              <a:rPr lang="en-US" smtClean="0"/>
+              <a:rPr lang="en-US"/>
               <a:t>Second level</a:t>
             </a:r>
           </a:p>
           <a:p>
             <a:pPr lvl="2"/>
             <a:r>
-              <a:rPr lang="en-US" smtClean="0"/>
+              <a:rPr lang="en-US"/>
               <a:t>Third level</a:t>
             </a:r>
           </a:p>
           <a:p>
             <a:pPr lvl="3"/>
             <a:r>
-              <a:rPr lang="en-US" smtClean="0"/>
+              <a:rPr lang="en-US"/>
               <a:t>Fourth level</a:t>
             </a:r>
           </a:p>
           <a:p>
             <a:pPr lvl="4"/>
             <a:r>
-              <a:rPr lang="en-US" smtClean="0"/>
+              <a:rPr lang="en-US"/>
               <a:t>Fifth level</a:t>
             </a:r>
             <a:endParaRPr lang="en-US" dirty="0"/>
@@ -6888,7 +6887,7 @@
           <a:p>
             <a:fld id="{C799FD27-3ECA-4E6B-B524-557BF3BAEE6B}" type="datetimeFigureOut">
               <a:rPr lang="en-US" smtClean="0"/>
-              <a:t>9/25/2022</a:t>
+              <a:t>5/7/2025</a:t>
             </a:fld>
             <a:endParaRPr lang="en-US"/>
           </a:p>
@@ -7476,7 +7475,7 @@
           <a:lstStyle/>
           <a:p>
             <a:r>
-              <a:rPr lang="en-US" sz="2400" b="1" dirty="0" smtClean="0">
+              <a:rPr lang="en-US" sz="2400" b="1" dirty="0">
                 <a:solidFill>
                   <a:srgbClr val="FFC000"/>
                 </a:solidFill>
@@ -7486,7 +7485,7 @@
           </a:p>
           <a:p>
             <a:r>
-              <a:rPr lang="en-US" sz="2400" b="1" dirty="0" smtClean="0">
+              <a:rPr lang="en-US" sz="2400" b="1" dirty="0">
                 <a:solidFill>
                   <a:srgbClr val="FFC000"/>
                 </a:solidFill>
@@ -7496,18 +7495,13 @@
           </a:p>
           <a:p>
             <a:r>
-              <a:rPr lang="en-US" sz="2400" b="1" dirty="0" smtClean="0">
+              <a:rPr lang="en-US" sz="2400" b="1" dirty="0">
                 <a:solidFill>
                   <a:srgbClr val="FFC000"/>
                 </a:solidFill>
               </a:rPr>
               <a:t>WITH OBJECT DETECTION ALGORITHM YOLO3</a:t>
             </a:r>
-            <a:endParaRPr lang="en-US" sz="2400" b="1" dirty="0">
-              <a:solidFill>
-                <a:srgbClr val="FFC000"/>
-              </a:solidFill>
-            </a:endParaRPr>
           </a:p>
         </p:txBody>
       </p:sp>
@@ -7521,13 +7515,6 @@
   <p:clrMapOvr>
     <a:masterClrMapping/>
   </p:clrMapOvr>
-  <p:timing>
-    <p:tnLst>
-      <p:par>
-        <p:cTn id="1" dur="indefinite" restart="never" nodeType="tmRoot"/>
-      </p:par>
-    </p:tnLst>
-  </p:timing>
 </p:sld>
 </file>
 
@@ -7593,13 +7580,8 @@
           <a:p>
             <a:r>
               <a:rPr lang="en-US" sz="2400" b="1" dirty="0"/>
-              <a:t>2</a:t>
-            </a:r>
-            <a:r>
-              <a:rPr lang="en-US" sz="2400" b="1" dirty="0" smtClean="0"/>
-              <a:t>. YOLO algorithms details</a:t>
-            </a:r>
-            <a:endParaRPr lang="en-US" sz="2400" b="1" dirty="0"/>
+              <a:t>2. YOLO algorithms details</a:t>
+            </a:r>
           </a:p>
         </p:txBody>
       </p:sp>
@@ -7626,33 +7608,12 @@
           <a:lstStyle/>
           <a:p>
             <a:r>
-              <a:rPr lang="en-US" sz="2000" dirty="0" smtClean="0">
+              <a:rPr lang="en-US" sz="2000" dirty="0">
                 <a:solidFill>
                   <a:schemeClr val="bg1"/>
                 </a:solidFill>
               </a:rPr>
               <a:t>Loss function has three components: Classification loss, Regression Loss, Confidence Loss</a:t>
-            </a:r>
-          </a:p>
-          <a:p>
-            <a:endParaRPr lang="en-US" sz="2000" dirty="0" smtClean="0">
-              <a:solidFill>
-                <a:schemeClr val="bg1"/>
-              </a:solidFill>
-            </a:endParaRPr>
-          </a:p>
-          <a:p>
-            <a:pPr marL="342900" indent="-342900">
-              <a:buFont typeface="Wingdings" panose="05000000000000000000" pitchFamily="2" charset="2"/>
-              <a:buChar char="Ø"/>
-            </a:pPr>
-            <a:r>
-              <a:rPr lang="en-US" sz="2000" dirty="0" smtClean="0">
-                <a:solidFill>
-                  <a:schemeClr val="bg1"/>
-                </a:solidFill>
-              </a:rPr>
-              <a:t>Classification Loss penalize for incorrect classification:</a:t>
             </a:r>
           </a:p>
           <a:p>
@@ -7663,51 +7624,67 @@
             </a:endParaRPr>
           </a:p>
           <a:p>
-            <a:endParaRPr lang="en-US" sz="2000" dirty="0" smtClean="0">
-              <a:solidFill>
-                <a:schemeClr val="bg1"/>
-              </a:solidFill>
-            </a:endParaRPr>
-          </a:p>
-          <a:p>
-            <a:endParaRPr lang="en-US" sz="2000" dirty="0" smtClean="0">
-              <a:solidFill>
-                <a:schemeClr val="bg1"/>
-              </a:solidFill>
-            </a:endParaRPr>
-          </a:p>
-          <a:p>
-            <a:endParaRPr lang="en-US" sz="2000" dirty="0" smtClean="0">
-              <a:solidFill>
-                <a:schemeClr val="bg1"/>
-              </a:solidFill>
-            </a:endParaRPr>
-          </a:p>
-          <a:p>
-            <a:endParaRPr lang="en-US" sz="2000" dirty="0" smtClean="0">
-              <a:solidFill>
-                <a:schemeClr val="bg1"/>
-              </a:solidFill>
-            </a:endParaRPr>
-          </a:p>
-          <a:p>
             <a:pPr marL="342900" indent="-342900">
               <a:buFont typeface="Wingdings" panose="05000000000000000000" pitchFamily="2" charset="2"/>
               <a:buChar char="Ø"/>
             </a:pPr>
             <a:r>
-              <a:rPr lang="en-US" sz="2000" dirty="0" smtClean="0">
-                <a:solidFill>
-                  <a:schemeClr val="bg1"/>
-                </a:solidFill>
-              </a:rPr>
-              <a:t>Regression loss penalize for the difference between predicted coordinate and actual coordinate of objects</a:t>
-            </a:r>
+              <a:rPr lang="en-US" sz="2000" dirty="0">
+                <a:solidFill>
+                  <a:schemeClr val="bg1"/>
+                </a:solidFill>
+              </a:rPr>
+              <a:t>Classification Loss penalize for incorrect classification:</a:t>
+            </a:r>
+          </a:p>
+          <a:p>
             <a:endParaRPr lang="en-US" sz="2000" dirty="0">
               <a:solidFill>
                 <a:schemeClr val="bg1"/>
               </a:solidFill>
             </a:endParaRPr>
+          </a:p>
+          <a:p>
+            <a:endParaRPr lang="en-US" sz="2000" dirty="0">
+              <a:solidFill>
+                <a:schemeClr val="bg1"/>
+              </a:solidFill>
+            </a:endParaRPr>
+          </a:p>
+          <a:p>
+            <a:endParaRPr lang="en-US" sz="2000" dirty="0">
+              <a:solidFill>
+                <a:schemeClr val="bg1"/>
+              </a:solidFill>
+            </a:endParaRPr>
+          </a:p>
+          <a:p>
+            <a:endParaRPr lang="en-US" sz="2000" dirty="0">
+              <a:solidFill>
+                <a:schemeClr val="bg1"/>
+              </a:solidFill>
+            </a:endParaRPr>
+          </a:p>
+          <a:p>
+            <a:endParaRPr lang="en-US" sz="2000" dirty="0">
+              <a:solidFill>
+                <a:schemeClr val="bg1"/>
+              </a:solidFill>
+            </a:endParaRPr>
+          </a:p>
+          <a:p>
+            <a:pPr marL="342900" indent="-342900">
+              <a:buFont typeface="Wingdings" panose="05000000000000000000" pitchFamily="2" charset="2"/>
+              <a:buChar char="Ø"/>
+            </a:pPr>
+            <a:r>
+              <a:rPr lang="en-US" sz="2000" dirty="0">
+                <a:solidFill>
+                  <a:schemeClr val="bg1"/>
+                </a:solidFill>
+              </a:rPr>
+              <a:t>Regression loss penalize for the difference between predicted coordinate and actual coordinate of objects</a:t>
+            </a:r>
           </a:p>
         </p:txBody>
       </p:sp>
@@ -7828,13 +7805,6 @@
   <p:clrMapOvr>
     <a:masterClrMapping/>
   </p:clrMapOvr>
-  <p:timing>
-    <p:tnLst>
-      <p:par>
-        <p:cTn id="1" dur="indefinite" restart="never" nodeType="tmRoot"/>
-      </p:par>
-    </p:tnLst>
-  </p:timing>
 </p:sld>
 </file>
 
@@ -7900,13 +7870,8 @@
           <a:p>
             <a:r>
               <a:rPr lang="en-US" sz="2400" b="1" dirty="0"/>
-              <a:t>2</a:t>
-            </a:r>
-            <a:r>
-              <a:rPr lang="en-US" sz="2400" b="1" dirty="0" smtClean="0"/>
-              <a:t>. YOLO algorithms details</a:t>
-            </a:r>
-            <a:endParaRPr lang="en-US" sz="2400" b="1" dirty="0"/>
+              <a:t>2. YOLO algorithms details</a:t>
+            </a:r>
           </a:p>
         </p:txBody>
       </p:sp>
@@ -7933,7 +7898,7 @@
           <a:lstStyle/>
           <a:p>
             <a:pPr algn="just"/>
-            <a:endParaRPr lang="en-US" sz="2000" dirty="0" smtClean="0">
+            <a:endParaRPr lang="en-US" sz="2000" dirty="0">
               <a:solidFill>
                 <a:schemeClr val="bg1"/>
               </a:solidFill>
@@ -7945,7 +7910,7 @@
               <a:buChar char="Ø"/>
             </a:pPr>
             <a:r>
-              <a:rPr lang="en-US" sz="2000" dirty="0" smtClean="0">
+              <a:rPr lang="en-US" sz="2000" dirty="0">
                 <a:solidFill>
                   <a:schemeClr val="bg1"/>
                 </a:solidFill>
@@ -7969,7 +7934,7 @@
               <a:buFont typeface="Wingdings" panose="05000000000000000000" pitchFamily="2" charset="2"/>
               <a:buChar char="Ø"/>
             </a:pPr>
-            <a:endParaRPr lang="en-US" sz="2000" dirty="0" smtClean="0">
+            <a:endParaRPr lang="en-US" sz="2000" dirty="0">
               <a:solidFill>
                 <a:schemeClr val="bg1"/>
               </a:solidFill>
@@ -7992,7 +7957,7 @@
               <a:buChar char="Ø"/>
             </a:pPr>
             <a:r>
-              <a:rPr lang="en-US" sz="2000" dirty="0" smtClean="0">
+              <a:rPr lang="en-US" sz="2000" dirty="0">
                 <a:solidFill>
                   <a:schemeClr val="bg1"/>
                 </a:solidFill>
@@ -8073,7 +8038,7 @@
           <a:lstStyle/>
           <a:p>
             <a:r>
-              <a:rPr lang="en-US" sz="2000" dirty="0" smtClean="0">
+              <a:rPr lang="en-US" sz="2000" dirty="0">
                 <a:solidFill>
                   <a:schemeClr val="bg1"/>
                 </a:solidFill>
@@ -8083,7 +8048,7 @@
           </a:p>
           <a:p>
             <a:r>
-              <a:rPr lang="en-US" sz="2000" dirty="0" err="1" smtClean="0">
+              <a:rPr lang="en-US" sz="2000" dirty="0" err="1">
                 <a:solidFill>
                   <a:schemeClr val="bg1"/>
                 </a:solidFill>
@@ -8091,7 +8056,7 @@
               <a:t>b</a:t>
             </a:r>
             <a:r>
-              <a:rPr lang="en-US" sz="2000" baseline="-25000" dirty="0" err="1" smtClean="0">
+              <a:rPr lang="en-US" sz="2000" baseline="-25000" dirty="0" err="1">
                 <a:solidFill>
                   <a:schemeClr val="bg1"/>
                 </a:solidFill>
@@ -8099,7 +8064,7 @@
               <a:t>x_ij</a:t>
             </a:r>
             <a:r>
-              <a:rPr lang="en-US" sz="2000" dirty="0" smtClean="0">
+              <a:rPr lang="en-US" sz="2000" dirty="0">
                 <a:solidFill>
                   <a:schemeClr val="bg1"/>
                 </a:solidFill>
@@ -8107,7 +8072,7 @@
               <a:t>, </a:t>
             </a:r>
             <a:r>
-              <a:rPr lang="en-US" sz="2000" dirty="0" err="1" smtClean="0">
+              <a:rPr lang="en-US" sz="2000" dirty="0" err="1">
                 <a:solidFill>
                   <a:schemeClr val="bg1"/>
                 </a:solidFill>
@@ -8115,7 +8080,7 @@
               <a:t>b</a:t>
             </a:r>
             <a:r>
-              <a:rPr lang="en-US" sz="2000" baseline="-25000" dirty="0" err="1" smtClean="0">
+              <a:rPr lang="en-US" sz="2000" baseline="-25000" dirty="0" err="1">
                 <a:solidFill>
                   <a:schemeClr val="bg1"/>
                 </a:solidFill>
@@ -8123,7 +8088,7 @@
               <a:t>y_ij</a:t>
             </a:r>
             <a:r>
-              <a:rPr lang="en-US" sz="2000" dirty="0" smtClean="0">
+              <a:rPr lang="en-US" sz="2000" dirty="0">
                 <a:solidFill>
                   <a:schemeClr val="bg1"/>
                 </a:solidFill>
@@ -8131,7 +8096,7 @@
               <a:t>: center coordinates of bounding box at cell </a:t>
             </a:r>
             <a:r>
-              <a:rPr lang="en-US" sz="2000" dirty="0" err="1" smtClean="0">
+              <a:rPr lang="en-US" sz="2000" dirty="0" err="1">
                 <a:solidFill>
                   <a:schemeClr val="bg1"/>
                 </a:solidFill>
@@ -8139,7 +8104,7 @@
               <a:t>i</a:t>
             </a:r>
             <a:r>
-              <a:rPr lang="en-US" sz="2000" dirty="0" smtClean="0">
+              <a:rPr lang="en-US" sz="2000" dirty="0">
                 <a:solidFill>
                   <a:schemeClr val="bg1"/>
                 </a:solidFill>
@@ -8149,7 +8114,7 @@
           </a:p>
           <a:p>
             <a:r>
-              <a:rPr lang="en-US" sz="2000" dirty="0" err="1" smtClean="0">
+              <a:rPr lang="en-US" sz="2000" dirty="0" err="1">
                 <a:solidFill>
                   <a:schemeClr val="bg1"/>
                 </a:solidFill>
@@ -8157,7 +8122,7 @@
               <a:t>t</a:t>
             </a:r>
             <a:r>
-              <a:rPr lang="en-US" sz="2000" baseline="-25000" dirty="0" err="1" smtClean="0">
+              <a:rPr lang="en-US" sz="2000" baseline="-25000" dirty="0" err="1">
                 <a:solidFill>
                   <a:schemeClr val="bg1"/>
                 </a:solidFill>
@@ -8165,7 +8130,7 @@
               <a:t>x_ij</a:t>
             </a:r>
             <a:r>
-              <a:rPr lang="en-US" sz="2000" dirty="0" smtClean="0">
+              <a:rPr lang="en-US" sz="2000" dirty="0">
                 <a:solidFill>
                   <a:schemeClr val="bg1"/>
                 </a:solidFill>
@@ -8173,7 +8138,7 @@
               <a:t>, </a:t>
             </a:r>
             <a:r>
-              <a:rPr lang="en-US" sz="2000" dirty="0" err="1" smtClean="0">
+              <a:rPr lang="en-US" sz="2000" dirty="0" err="1">
                 <a:solidFill>
                   <a:schemeClr val="bg1"/>
                 </a:solidFill>
@@ -8181,7 +8146,7 @@
               <a:t>t</a:t>
             </a:r>
             <a:r>
-              <a:rPr lang="en-US" sz="2000" baseline="-25000" dirty="0" err="1" smtClean="0">
+              <a:rPr lang="en-US" sz="2000" baseline="-25000" dirty="0" err="1">
                 <a:solidFill>
                   <a:schemeClr val="bg1"/>
                 </a:solidFill>
@@ -8189,7 +8154,7 @@
               <a:t>y_ij</a:t>
             </a:r>
             <a:r>
-              <a:rPr lang="en-US" sz="2000" dirty="0" smtClean="0">
+              <a:rPr lang="en-US" sz="2000" dirty="0">
                 <a:solidFill>
                   <a:schemeClr val="bg1"/>
                 </a:solidFill>
@@ -8199,7 +8164,7 @@
           </a:p>
           <a:p>
             <a:r>
-              <a:rPr lang="en-US" sz="2000" dirty="0" err="1" smtClean="0">
+              <a:rPr lang="en-US" sz="2000" dirty="0" err="1">
                 <a:solidFill>
                   <a:schemeClr val="bg1"/>
                 </a:solidFill>
@@ -8207,7 +8172,7 @@
               <a:t>I</a:t>
             </a:r>
             <a:r>
-              <a:rPr lang="en-US" sz="2000" baseline="-25000" dirty="0" err="1" smtClean="0">
+              <a:rPr lang="en-US" sz="2000" baseline="-25000" dirty="0" err="1">
                 <a:solidFill>
                   <a:schemeClr val="bg1"/>
                 </a:solidFill>
@@ -8215,7 +8180,7 @@
               <a:t>ij</a:t>
             </a:r>
             <a:r>
-              <a:rPr lang="en-US" sz="2000" dirty="0" smtClean="0">
+              <a:rPr lang="en-US" sz="2000" dirty="0">
                 <a:solidFill>
                   <a:schemeClr val="bg1"/>
                 </a:solidFill>
@@ -8225,7 +8190,7 @@
           </a:p>
           <a:p>
             <a:r>
-              <a:rPr lang="en-US" sz="2000" dirty="0" err="1" smtClean="0">
+              <a:rPr lang="en-US" sz="2000" dirty="0" err="1">
                 <a:solidFill>
                   <a:schemeClr val="bg1"/>
                 </a:solidFill>
@@ -8233,7 +8198,7 @@
               <a:t>p</a:t>
             </a:r>
             <a:r>
-              <a:rPr lang="en-US" sz="2000" baseline="-25000" dirty="0" err="1" smtClean="0">
+              <a:rPr lang="en-US" sz="2000" baseline="-25000" dirty="0" err="1">
                 <a:solidFill>
                   <a:schemeClr val="bg1"/>
                 </a:solidFill>
@@ -8241,7 +8206,7 @@
               <a:t>groundtruth</a:t>
             </a:r>
             <a:r>
-              <a:rPr lang="en-US" sz="2000" dirty="0" smtClean="0">
+              <a:rPr lang="en-US" sz="2000" dirty="0">
                 <a:solidFill>
                   <a:schemeClr val="bg1"/>
                 </a:solidFill>
@@ -8249,7 +8214,7 @@
               <a:t>: predicted probability of </a:t>
             </a:r>
             <a:r>
-              <a:rPr lang="en-US" sz="2000" dirty="0" err="1" smtClean="0">
+              <a:rPr lang="en-US" sz="2000" dirty="0" err="1">
                 <a:solidFill>
                   <a:schemeClr val="bg1"/>
                 </a:solidFill>
@@ -8257,18 +8222,13 @@
               <a:t>groundtruth</a:t>
             </a:r>
             <a:r>
-              <a:rPr lang="en-US" sz="2000" dirty="0" smtClean="0">
+              <a:rPr lang="en-US" sz="2000" dirty="0">
                 <a:solidFill>
                   <a:schemeClr val="bg1"/>
                 </a:solidFill>
               </a:rPr>
               <a:t> label</a:t>
             </a:r>
-            <a:endParaRPr lang="en-US" sz="2000" dirty="0">
-              <a:solidFill>
-                <a:schemeClr val="bg1"/>
-              </a:solidFill>
-            </a:endParaRPr>
           </a:p>
         </p:txBody>
       </p:sp>
@@ -8341,13 +8301,6 @@
   <p:clrMapOvr>
     <a:masterClrMapping/>
   </p:clrMapOvr>
-  <p:timing>
-    <p:tnLst>
-      <p:par>
-        <p:cTn id="1" dur="indefinite" restart="never" nodeType="tmRoot"/>
-      </p:par>
-    </p:tnLst>
-  </p:timing>
 </p:sld>
 </file>
 
@@ -8413,13 +8366,8 @@
           <a:p>
             <a:r>
               <a:rPr lang="en-US" sz="2400" b="1" dirty="0"/>
-              <a:t>3</a:t>
-            </a:r>
-            <a:r>
-              <a:rPr lang="en-US" sz="2400" b="1" dirty="0" smtClean="0"/>
-              <a:t>. Data, Class Imbalance and Few-Shot learning</a:t>
-            </a:r>
-            <a:endParaRPr lang="en-US" sz="2400" b="1" dirty="0"/>
+              <a:t>3. Data, Class Imbalance and Few-Shot learning</a:t>
+            </a:r>
           </a:p>
         </p:txBody>
       </p:sp>
@@ -8446,142 +8394,105 @@
           <a:lstStyle/>
           <a:p>
             <a:pPr algn="just"/>
-            <a:endParaRPr lang="en-US" sz="2000" dirty="0" smtClean="0">
-              <a:solidFill>
-                <a:schemeClr val="bg1"/>
-              </a:solidFill>
-            </a:endParaRPr>
-          </a:p>
-          <a:p>
-            <a:pPr algn="just"/>
-            <a:r>
-              <a:rPr lang="en-US" sz="2000" dirty="0" smtClean="0">
-                <a:solidFill>
-                  <a:schemeClr val="bg1"/>
-                </a:solidFill>
-              </a:rPr>
-              <a:t>In machine learning and computer vision both data quality and quantity has impacts to performance of models.  We investigate two common issues: class imbalance and few-shot learning:</a:t>
-            </a:r>
-          </a:p>
-          <a:p>
-            <a:pPr marL="342900" indent="-342900" algn="just">
-              <a:buFont typeface="Wingdings" panose="05000000000000000000" pitchFamily="2" charset="2"/>
-              <a:buChar char="Ø"/>
-            </a:pPr>
-            <a:r>
-              <a:rPr lang="en-US" sz="2000" dirty="0" smtClean="0">
-                <a:solidFill>
-                  <a:schemeClr val="bg1"/>
-                </a:solidFill>
-              </a:rPr>
-              <a:t>Class imbalance: </a:t>
-            </a:r>
-          </a:p>
-          <a:p>
-            <a:pPr algn="just"/>
-            <a:r>
-              <a:rPr lang="en-US" sz="2000" dirty="0">
-                <a:solidFill>
-                  <a:schemeClr val="bg1"/>
-                </a:solidFill>
-              </a:rPr>
-              <a:t>	</a:t>
-            </a:r>
-            <a:r>
-              <a:rPr lang="en-US" sz="2000" dirty="0" smtClean="0">
-                <a:solidFill>
-                  <a:schemeClr val="bg1"/>
-                </a:solidFill>
-              </a:rPr>
-              <a:t>- Some classes have dominant representation in the dataset while others 	have 	much lower.  </a:t>
-            </a:r>
-          </a:p>
-          <a:p>
-            <a:pPr algn="just"/>
-            <a:r>
-              <a:rPr lang="en-US" sz="2000" dirty="0" smtClean="0">
-                <a:solidFill>
-                  <a:schemeClr val="bg1"/>
-                </a:solidFill>
-              </a:rPr>
-              <a:t>	- Solution: collecting more data for under-represented classes, down-	sampling, up-sampling, generate synthetic data</a:t>
-            </a:r>
-          </a:p>
-          <a:p>
-            <a:pPr marL="342900" indent="-342900" algn="just">
-              <a:buFont typeface="Wingdings" panose="05000000000000000000" pitchFamily="2" charset="2"/>
-              <a:buChar char="Ø"/>
-            </a:pPr>
-            <a:r>
-              <a:rPr lang="en-US" sz="2000" dirty="0" smtClean="0">
-                <a:solidFill>
-                  <a:schemeClr val="bg1"/>
-                </a:solidFill>
-              </a:rPr>
-              <a:t>Few-shot learning: </a:t>
-            </a:r>
-          </a:p>
-          <a:p>
-            <a:pPr algn="just"/>
-            <a:r>
-              <a:rPr lang="en-US" sz="2000" dirty="0">
-                <a:solidFill>
-                  <a:schemeClr val="bg1"/>
-                </a:solidFill>
-              </a:rPr>
-              <a:t>	</a:t>
-            </a:r>
-            <a:r>
-              <a:rPr lang="en-US" sz="2000" dirty="0" smtClean="0">
-                <a:solidFill>
-                  <a:schemeClr val="bg1"/>
-                </a:solidFill>
-              </a:rPr>
-              <a:t>- Situations that we have only a limited number of samples for training</a:t>
-            </a:r>
-          </a:p>
-          <a:p>
-            <a:pPr algn="just"/>
-            <a:r>
-              <a:rPr lang="en-US" sz="2000" dirty="0">
-                <a:solidFill>
-                  <a:schemeClr val="bg1"/>
-                </a:solidFill>
-              </a:rPr>
-              <a:t>	</a:t>
-            </a:r>
-            <a:r>
-              <a:rPr lang="en-US" sz="2000" dirty="0" smtClean="0">
-                <a:solidFill>
-                  <a:schemeClr val="bg1"/>
-                </a:solidFill>
-              </a:rPr>
-              <a:t>- Reason: It is difficult to collect more data or it is high cost to gather data</a:t>
-            </a:r>
-          </a:p>
-          <a:p>
-            <a:pPr algn="just"/>
-            <a:r>
-              <a:rPr lang="en-US" sz="2000" dirty="0">
-                <a:solidFill>
-                  <a:schemeClr val="bg1"/>
-                </a:solidFill>
-              </a:rPr>
-              <a:t>	</a:t>
-            </a:r>
-            <a:r>
-              <a:rPr lang="en-US" sz="2000" dirty="0" smtClean="0">
-                <a:solidFill>
-                  <a:schemeClr val="bg1"/>
-                </a:solidFill>
-              </a:rPr>
-              <a:t>- More popular in classification problems but object detection also 	get the 	 attention recently</a:t>
-            </a:r>
             <a:endParaRPr lang="en-US" sz="2000" dirty="0">
               <a:solidFill>
                 <a:schemeClr val="bg1"/>
               </a:solidFill>
             </a:endParaRPr>
+          </a:p>
+          <a:p>
+            <a:pPr algn="just"/>
+            <a:r>
+              <a:rPr lang="en-US" sz="2000" dirty="0">
+                <a:solidFill>
+                  <a:schemeClr val="bg1"/>
+                </a:solidFill>
+              </a:rPr>
+              <a:t>In machine learning and computer vision both data quality and quantity has impacts to performance of models.  We investigate two common issues: class imbalance and few-shot learning:</a:t>
+            </a:r>
+          </a:p>
+          <a:p>
+            <a:pPr marL="342900" indent="-342900" algn="just">
+              <a:buFont typeface="Wingdings" panose="05000000000000000000" pitchFamily="2" charset="2"/>
+              <a:buChar char="Ø"/>
+            </a:pPr>
+            <a:r>
+              <a:rPr lang="en-US" sz="2000" dirty="0">
+                <a:solidFill>
+                  <a:schemeClr val="bg1"/>
+                </a:solidFill>
+              </a:rPr>
+              <a:t>Class imbalance: </a:t>
+            </a:r>
+          </a:p>
+          <a:p>
+            <a:pPr algn="just"/>
+            <a:r>
+              <a:rPr lang="en-US" sz="2000" dirty="0">
+                <a:solidFill>
+                  <a:schemeClr val="bg1"/>
+                </a:solidFill>
+              </a:rPr>
+              <a:t>	- Some classes have dominant representation in the dataset while others 	have 	much lower.  </a:t>
+            </a:r>
+          </a:p>
+          <a:p>
+            <a:pPr algn="just"/>
+            <a:r>
+              <a:rPr lang="en-US" sz="2000" dirty="0">
+                <a:solidFill>
+                  <a:schemeClr val="bg1"/>
+                </a:solidFill>
+              </a:rPr>
+              <a:t>	- Solution: collecting more data for under-represented classes, down-	sampling, up-sampling, generate synthetic data</a:t>
+            </a:r>
+          </a:p>
+          <a:p>
+            <a:pPr marL="342900" indent="-342900" algn="just">
+              <a:buFont typeface="Wingdings" panose="05000000000000000000" pitchFamily="2" charset="2"/>
+              <a:buChar char="Ø"/>
+            </a:pPr>
+            <a:r>
+              <a:rPr lang="en-US" sz="2000" dirty="0">
+                <a:solidFill>
+                  <a:schemeClr val="bg1"/>
+                </a:solidFill>
+              </a:rPr>
+              <a:t>Few-shot learning: </a:t>
+            </a:r>
+          </a:p>
+          <a:p>
+            <a:pPr algn="just"/>
+            <a:r>
+              <a:rPr lang="en-US" sz="2000" dirty="0">
+                <a:solidFill>
+                  <a:schemeClr val="bg1"/>
+                </a:solidFill>
+              </a:rPr>
+              <a:t>	- Situations that we have only a limited number of samples for training</a:t>
+            </a:r>
+          </a:p>
+          <a:p>
+            <a:pPr algn="just"/>
+            <a:r>
+              <a:rPr lang="en-US" sz="2000" dirty="0">
+                <a:solidFill>
+                  <a:schemeClr val="bg1"/>
+                </a:solidFill>
+              </a:rPr>
+              <a:t>	- Reason: It is difficult to collect more data or it is high cost to gather data</a:t>
+            </a:r>
+          </a:p>
+          <a:p>
+            <a:pPr algn="just"/>
+            <a:r>
+              <a:rPr lang="en-US" sz="2000" dirty="0">
+                <a:solidFill>
+                  <a:schemeClr val="bg1"/>
+                </a:solidFill>
+              </a:rPr>
+              <a:t>	- More popular in classification problems but object detection also 	get the 	 attention recently</a:t>
+            </a:r>
           </a:p>
         </p:txBody>
       </p:sp>
@@ -8654,13 +8565,6 @@
   <p:clrMapOvr>
     <a:masterClrMapping/>
   </p:clrMapOvr>
-  <p:timing>
-    <p:tnLst>
-      <p:par>
-        <p:cTn id="1" dur="indefinite" restart="never" nodeType="tmRoot"/>
-      </p:par>
-    </p:tnLst>
-  </p:timing>
 </p:sld>
 </file>
 
@@ -8726,13 +8630,8 @@
           <a:p>
             <a:r>
               <a:rPr lang="en-US" sz="2400" b="1" dirty="0"/>
-              <a:t>3</a:t>
-            </a:r>
-            <a:r>
-              <a:rPr lang="en-US" sz="2400" b="1" dirty="0" smtClean="0"/>
-              <a:t>. Data, Class Imbalance and Few-Shot learning</a:t>
-            </a:r>
-            <a:endParaRPr lang="en-US" sz="2400" b="1" dirty="0"/>
+              <a:t>3. Data, Class Imbalance and Few-Shot learning</a:t>
+            </a:r>
           </a:p>
         </p:txBody>
       </p:sp>
@@ -8760,7 +8659,7 @@
           <a:p>
             <a:pPr algn="just"/>
             <a:r>
-              <a:rPr lang="en-US" sz="2000" dirty="0" smtClean="0">
+              <a:rPr lang="en-US" sz="2000" dirty="0">
                 <a:solidFill>
                   <a:schemeClr val="bg1"/>
                 </a:solidFill>
@@ -8927,18 +8826,13 @@
           <a:lstStyle/>
           <a:p>
             <a:r>
-              <a:rPr lang="en-US" sz="2000" dirty="0" smtClean="0">
+              <a:rPr lang="en-US" sz="2000" dirty="0">
                 <a:solidFill>
                   <a:schemeClr val="bg1"/>
                 </a:solidFill>
               </a:rPr>
               <a:t>We stick with YOLO3 then “Generative FSL” will be used in this project.</a:t>
             </a:r>
-            <a:endParaRPr lang="en-US" sz="2000" dirty="0">
-              <a:solidFill>
-                <a:schemeClr val="bg1"/>
-              </a:solidFill>
-            </a:endParaRPr>
           </a:p>
         </p:txBody>
       </p:sp>
@@ -8952,13 +8846,6 @@
   <p:clrMapOvr>
     <a:masterClrMapping/>
   </p:clrMapOvr>
-  <p:timing>
-    <p:tnLst>
-      <p:par>
-        <p:cTn id="1" dur="indefinite" restart="never" nodeType="tmRoot"/>
-      </p:par>
-    </p:tnLst>
-  </p:timing>
 </p:sld>
 </file>
 
@@ -9024,13 +8911,8 @@
           <a:p>
             <a:r>
               <a:rPr lang="en-US" sz="2400" b="1" dirty="0"/>
-              <a:t>3</a:t>
-            </a:r>
-            <a:r>
-              <a:rPr lang="en-US" sz="2400" b="1" dirty="0" smtClean="0"/>
-              <a:t>. Data, Class Imbalance and Few-Shot learning</a:t>
-            </a:r>
-            <a:endParaRPr lang="en-US" sz="2400" b="1" dirty="0"/>
+              <a:t>3. Data, Class Imbalance and Few-Shot learning</a:t>
+            </a:r>
           </a:p>
         </p:txBody>
       </p:sp>
@@ -9058,7 +8940,7 @@
           <a:p>
             <a:pPr algn="just"/>
             <a:r>
-              <a:rPr lang="en-US" sz="2000" dirty="0" smtClean="0">
+              <a:rPr lang="en-US" sz="2000" dirty="0">
                 <a:solidFill>
                   <a:schemeClr val="bg1"/>
                 </a:solidFill>
@@ -9069,7 +8951,7 @@
           <a:p>
             <a:pPr algn="just"/>
             <a:r>
-              <a:rPr lang="en-US" sz="2000" dirty="0" smtClean="0">
+              <a:rPr lang="en-US" sz="2000" dirty="0">
                 <a:solidFill>
                   <a:schemeClr val="bg1"/>
                 </a:solidFill>
@@ -9083,7 +8965,7 @@
               <a:buChar char="-"/>
             </a:pPr>
             <a:r>
-              <a:rPr lang="en-US" sz="2000" dirty="0" smtClean="0">
+              <a:rPr lang="en-US" sz="2000" dirty="0">
                 <a:solidFill>
                   <a:schemeClr val="bg1"/>
                 </a:solidFill>
@@ -9097,7 +8979,7 @@
               <a:buChar char="-"/>
             </a:pPr>
             <a:r>
-              <a:rPr lang="en-US" sz="2000" dirty="0" smtClean="0">
+              <a:rPr lang="en-US" sz="2000" dirty="0">
                 <a:solidFill>
                   <a:schemeClr val="bg1"/>
                 </a:solidFill>
@@ -9111,7 +8993,7 @@
               <a:buChar char="-"/>
             </a:pPr>
             <a:r>
-              <a:rPr lang="en-US" sz="2000" dirty="0" smtClean="0">
+              <a:rPr lang="en-US" sz="2000" dirty="0">
                 <a:solidFill>
                   <a:schemeClr val="bg1"/>
                 </a:solidFill>
@@ -9122,7 +9004,7 @@
           <a:p>
             <a:pPr algn="just"/>
             <a:r>
-              <a:rPr lang="en-US" sz="2000" dirty="0" smtClean="0">
+              <a:rPr lang="en-US" sz="2000" dirty="0">
                 <a:solidFill>
                   <a:schemeClr val="bg1"/>
                 </a:solidFill>
@@ -9138,15 +9020,7 @@
                   <a:schemeClr val="bg1"/>
                 </a:solidFill>
               </a:rPr>
-              <a:t> </a:t>
-            </a:r>
-            <a:r>
-              <a:rPr lang="en-US" sz="2000" dirty="0" smtClean="0">
-                <a:solidFill>
-                  <a:schemeClr val="bg1"/>
-                </a:solidFill>
-              </a:rPr>
-              <a:t>   small objects</a:t>
+              <a:t>    small objects</a:t>
             </a:r>
           </a:p>
           <a:p>
@@ -9155,7 +9029,7 @@
               <a:buChar char="-"/>
             </a:pPr>
             <a:r>
-              <a:rPr lang="en-US" sz="2000" dirty="0" smtClean="0">
+              <a:rPr lang="en-US" sz="2000" dirty="0">
                 <a:solidFill>
                   <a:schemeClr val="bg1"/>
                 </a:solidFill>
@@ -9166,7 +9040,7 @@
           <a:p>
             <a:pPr algn="just"/>
             <a:r>
-              <a:rPr lang="en-US" sz="2000" dirty="0" smtClean="0">
+              <a:rPr lang="en-US" sz="2000" dirty="0">
                 <a:solidFill>
                   <a:schemeClr val="bg1"/>
                 </a:solidFill>
@@ -9177,7 +9051,7 @@
           <a:p>
             <a:pPr algn="just"/>
             <a:r>
-              <a:rPr lang="en-US" sz="2000" dirty="0" smtClean="0">
+              <a:rPr lang="en-US" sz="2000" dirty="0">
                 <a:solidFill>
                   <a:schemeClr val="bg1"/>
                 </a:solidFill>
@@ -9280,13 +9154,6 @@
   <p:clrMapOvr>
     <a:masterClrMapping/>
   </p:clrMapOvr>
-  <p:timing>
-    <p:tnLst>
-      <p:par>
-        <p:cTn id="1" dur="indefinite" restart="never" nodeType="tmRoot"/>
-      </p:par>
-    </p:tnLst>
-  </p:timing>
 </p:sld>
 </file>
 
@@ -9352,13 +9219,8 @@
           <a:p>
             <a:r>
               <a:rPr lang="en-US" sz="2400" b="1" dirty="0"/>
-              <a:t>3</a:t>
-            </a:r>
-            <a:r>
-              <a:rPr lang="en-US" sz="2400" b="1" dirty="0" smtClean="0"/>
-              <a:t>. Data, Class Imbalance and Few-Shot learning</a:t>
-            </a:r>
-            <a:endParaRPr lang="en-US" sz="2400" b="1" dirty="0"/>
+              <a:t>3. Data, Class Imbalance and Few-Shot learning</a:t>
+            </a:r>
           </a:p>
         </p:txBody>
       </p:sp>
@@ -9386,23 +9248,18 @@
           <a:p>
             <a:pPr algn="just"/>
             <a:r>
-              <a:rPr lang="en-US" sz="2000" dirty="0" smtClean="0">
+              <a:rPr lang="en-US" sz="2000" dirty="0">
                 <a:solidFill>
                   <a:schemeClr val="bg1"/>
                 </a:solidFill>
               </a:rPr>
               <a:t>Train and test sets are split into one to nine ratio</a:t>
             </a:r>
-            <a:endParaRPr lang="en-US" sz="2000" dirty="0">
-              <a:solidFill>
-                <a:schemeClr val="bg1"/>
-              </a:solidFill>
-            </a:endParaRPr>
           </a:p>
           <a:p>
             <a:pPr algn="just"/>
             <a:r>
-              <a:rPr lang="en-US" sz="2000" dirty="0" smtClean="0">
+              <a:rPr lang="en-US" sz="2000" dirty="0">
                 <a:solidFill>
                   <a:schemeClr val="bg1"/>
                 </a:solidFill>
@@ -9543,18 +9400,13 @@
           <a:p>
             <a:pPr algn="ctr"/>
             <a:r>
-              <a:rPr lang="en-US" sz="1600" dirty="0" smtClean="0">
+              <a:rPr lang="en-US" sz="1600" dirty="0">
                 <a:solidFill>
                   <a:schemeClr val="bg1"/>
                 </a:solidFill>
               </a:rPr>
               <a:t>Data distribution - training set</a:t>
             </a:r>
-            <a:endParaRPr lang="en-US" sz="1600" dirty="0">
-              <a:solidFill>
-                <a:schemeClr val="bg1"/>
-              </a:solidFill>
-            </a:endParaRPr>
           </a:p>
         </p:txBody>
       </p:sp>
@@ -9582,18 +9434,13 @@
           <a:p>
             <a:pPr algn="ctr"/>
             <a:r>
-              <a:rPr lang="en-US" sz="1600" dirty="0" smtClean="0">
+              <a:rPr lang="en-US" sz="1600" dirty="0">
                 <a:solidFill>
                   <a:schemeClr val="bg1"/>
                 </a:solidFill>
               </a:rPr>
               <a:t>Data distribution - test set</a:t>
             </a:r>
-            <a:endParaRPr lang="en-US" sz="1600" dirty="0">
-              <a:solidFill>
-                <a:schemeClr val="bg1"/>
-              </a:solidFill>
-            </a:endParaRPr>
           </a:p>
         </p:txBody>
       </p:sp>
@@ -9607,13 +9454,6 @@
   <p:clrMapOvr>
     <a:masterClrMapping/>
   </p:clrMapOvr>
-  <p:timing>
-    <p:tnLst>
-      <p:par>
-        <p:cTn id="1" dur="indefinite" restart="never" nodeType="tmRoot"/>
-      </p:par>
-    </p:tnLst>
-  </p:timing>
 </p:sld>
 </file>
 
@@ -9679,13 +9519,8 @@
           <a:p>
             <a:r>
               <a:rPr lang="en-US" sz="2400" b="1" dirty="0"/>
-              <a:t>4</a:t>
-            </a:r>
-            <a:r>
-              <a:rPr lang="en-US" sz="2400" b="1" dirty="0" smtClean="0"/>
-              <a:t>. Results</a:t>
-            </a:r>
-            <a:endParaRPr lang="en-US" sz="2400" b="1" dirty="0"/>
+              <a:t>4. Results</a:t>
+            </a:r>
           </a:p>
         </p:txBody>
       </p:sp>
@@ -9713,25 +9548,20 @@
           <a:p>
             <a:pPr algn="just"/>
             <a:r>
-              <a:rPr lang="en-US" sz="2000" dirty="0" smtClean="0"/>
+              <a:rPr lang="en-US" sz="2000" dirty="0"/>
               <a:t>Class imbalance:</a:t>
             </a:r>
           </a:p>
           <a:p>
             <a:pPr algn="just"/>
             <a:r>
-              <a:rPr lang="en-US" sz="2000" dirty="0" smtClean="0">
+              <a:rPr lang="en-US" sz="2000" dirty="0">
                 <a:solidFill>
                   <a:schemeClr val="bg1"/>
                 </a:solidFill>
               </a:rPr>
               <a:t>Trained model and evaluate it on test set, the results is surprised poor. Strongest signal is at Wildebeest class, the dominant class in the dataset</a:t>
             </a:r>
-            <a:endParaRPr lang="en-US" sz="2000" dirty="0">
-              <a:solidFill>
-                <a:schemeClr val="bg1"/>
-              </a:solidFill>
-            </a:endParaRPr>
           </a:p>
         </p:txBody>
       </p:sp>
@@ -9841,7 +9671,7 @@
           <a:lstStyle/>
           <a:p>
             <a:r>
-              <a:rPr lang="en-US" dirty="0" smtClean="0">
+              <a:rPr lang="en-US" dirty="0">
                 <a:solidFill>
                   <a:schemeClr val="bg1"/>
                 </a:solidFill>
@@ -9851,7 +9681,7 @@
           </a:p>
           <a:p>
             <a:r>
-              <a:rPr lang="en-US" dirty="0" smtClean="0">
+              <a:rPr lang="en-US" dirty="0">
                 <a:solidFill>
                   <a:schemeClr val="bg1"/>
                 </a:solidFill>
@@ -9859,7 +9689,7 @@
               <a:t>Using relative coordinates to the width and height of images, we crop 48 images of each image in training set. Locations of cropped images are identified by vector (x</a:t>
             </a:r>
             <a:r>
-              <a:rPr lang="en-US" baseline="-25000" dirty="0" smtClean="0">
+              <a:rPr lang="en-US" baseline="-25000" dirty="0">
                 <a:solidFill>
                   <a:schemeClr val="bg1"/>
                 </a:solidFill>
@@ -9867,7 +9697,7 @@
               <a:t>1</a:t>
             </a:r>
             <a:r>
-              <a:rPr lang="en-US" dirty="0" smtClean="0">
+              <a:rPr lang="en-US" dirty="0">
                 <a:solidFill>
                   <a:schemeClr val="bg1"/>
                 </a:solidFill>
@@ -9875,7 +9705,7 @@
               <a:t>, y</a:t>
             </a:r>
             <a:r>
-              <a:rPr lang="en-US" baseline="-25000" dirty="0" smtClean="0">
+              <a:rPr lang="en-US" baseline="-25000" dirty="0">
                 <a:solidFill>
                   <a:schemeClr val="bg1"/>
                 </a:solidFill>
@@ -9883,7 +9713,7 @@
               <a:t>1</a:t>
             </a:r>
             <a:r>
-              <a:rPr lang="en-US" dirty="0" smtClean="0">
+              <a:rPr lang="en-US" dirty="0">
                 <a:solidFill>
                   <a:schemeClr val="bg1"/>
                 </a:solidFill>
@@ -9891,7 +9721,7 @@
               <a:t>, x</a:t>
             </a:r>
             <a:r>
-              <a:rPr lang="en-US" baseline="-25000" dirty="0" smtClean="0">
+              <a:rPr lang="en-US" baseline="-25000" dirty="0">
                 <a:solidFill>
                   <a:schemeClr val="bg1"/>
                 </a:solidFill>
@@ -9899,7 +9729,7 @@
               <a:t>2</a:t>
             </a:r>
             <a:r>
-              <a:rPr lang="en-US" dirty="0" smtClean="0">
+              <a:rPr lang="en-US" dirty="0">
                 <a:solidFill>
                   <a:schemeClr val="bg1"/>
                 </a:solidFill>
@@ -9907,7 +9737,7 @@
               <a:t>, y</a:t>
             </a:r>
             <a:r>
-              <a:rPr lang="en-US" baseline="-25000" dirty="0" smtClean="0">
+              <a:rPr lang="en-US" baseline="-25000" dirty="0">
                 <a:solidFill>
                   <a:schemeClr val="bg1"/>
                 </a:solidFill>
@@ -9915,7 +9745,7 @@
               <a:t>2</a:t>
             </a:r>
             <a:r>
-              <a:rPr lang="en-US" dirty="0" smtClean="0">
+              <a:rPr lang="en-US" dirty="0">
                 <a:solidFill>
                   <a:schemeClr val="bg1"/>
                 </a:solidFill>
@@ -9925,7 +9755,7 @@
           </a:p>
           <a:p>
             <a:r>
-              <a:rPr lang="en-US" b="1" dirty="0" smtClean="0"/>
+              <a:rPr lang="en-US" b="1" dirty="0"/>
               <a:t>(</a:t>
             </a:r>
             <a:r>
@@ -9934,19 +9764,11 @@
             </a:r>
             <a:r>
               <a:rPr lang="en-US" b="1" dirty="0"/>
-              <a:t>/20, 0, 1 1</a:t>
-            </a:r>
-            <a:r>
-              <a:rPr lang="en-US" b="1" dirty="0" smtClean="0"/>
-              <a:t>), </a:t>
+              <a:t>/20, 0, 1 1), </a:t>
             </a:r>
             <a:r>
               <a:rPr lang="nn-NO" b="1" dirty="0"/>
-              <a:t>(0, 0, 1-1.2*(8-i)/20, 1</a:t>
-            </a:r>
-            <a:r>
-              <a:rPr lang="nn-NO" b="1" dirty="0" smtClean="0"/>
-              <a:t>), </a:t>
+              <a:t>(0, 0, 1-1.2*(8-i)/20, 1), </a:t>
             </a:r>
             <a:r>
               <a:rPr lang="en-US" b="1" dirty="0"/>
@@ -9966,19 +9788,11 @@
             </a:r>
             <a:r>
               <a:rPr lang="en-US" b="1" dirty="0"/>
-              <a:t>/25, 1, 1</a:t>
-            </a:r>
-            <a:r>
-              <a:rPr lang="en-US" b="1" dirty="0" smtClean="0"/>
-              <a:t>), </a:t>
+              <a:t>/25, 1, 1), </a:t>
             </a:r>
             <a:r>
               <a:rPr lang="nn-NO" b="1" dirty="0"/>
-              <a:t>(0, 0, 1-(8-i)/20, 1-(8-i)/25), (i/30, i/35, 1-(8-i)/30, 1-(8-i)/35) </a:t>
-            </a:r>
-            <a:r>
-              <a:rPr lang="nn-NO" b="1" dirty="0" smtClean="0"/>
-              <a:t>, </a:t>
+              <a:t>(0, 0, 1-(8-i)/20, 1-(8-i)/25), (i/30, i/35, 1-(8-i)/30, 1-(8-i)/35) , </a:t>
             </a:r>
             <a:r>
               <a:rPr lang="en-US" b="1" dirty="0"/>
@@ -10014,18 +9828,14 @@
             </a:r>
             <a:r>
               <a:rPr lang="en-US" b="1" dirty="0"/>
-              <a:t>/20+0.5</a:t>
-            </a:r>
-            <a:r>
-              <a:rPr lang="en-US" b="1" dirty="0" smtClean="0"/>
-              <a:t>), for </a:t>
-            </a:r>
-            <a:r>
-              <a:rPr lang="en-US" b="1" dirty="0" err="1" smtClean="0"/>
+              <a:t>/20+0.5), for </a:t>
+            </a:r>
+            <a:r>
+              <a:rPr lang="en-US" b="1" dirty="0" err="1"/>
               <a:t>i</a:t>
             </a:r>
             <a:r>
-              <a:rPr lang="en-US" b="1" dirty="0" smtClean="0"/>
+              <a:rPr lang="en-US" b="1" dirty="0"/>
               <a:t> in {0, 1, 2, 3, 4 ,5 ,6, 7} </a:t>
             </a:r>
             <a:endParaRPr lang="en-US" b="1" dirty="0">
@@ -10243,13 +10053,8 @@
           <a:p>
             <a:r>
               <a:rPr lang="en-US" sz="2400" b="1" dirty="0"/>
-              <a:t>4</a:t>
-            </a:r>
-            <a:r>
-              <a:rPr lang="en-US" sz="2400" b="1" dirty="0" smtClean="0"/>
-              <a:t>. Results</a:t>
-            </a:r>
-            <a:endParaRPr lang="en-US" sz="2400" b="1" dirty="0"/>
+              <a:t>4. Results</a:t>
+            </a:r>
           </a:p>
         </p:txBody>
       </p:sp>
@@ -10277,14 +10082,14 @@
           <a:p>
             <a:pPr algn="just"/>
             <a:r>
-              <a:rPr lang="en-US" sz="2000" dirty="0" smtClean="0"/>
+              <a:rPr lang="en-US" sz="2000" dirty="0"/>
               <a:t>Class imbalance:</a:t>
             </a:r>
           </a:p>
           <a:p>
             <a:pPr algn="just"/>
             <a:r>
-              <a:rPr lang="en-US" sz="2000" dirty="0" smtClean="0">
+              <a:rPr lang="en-US" sz="2000" dirty="0">
                 <a:solidFill>
                   <a:schemeClr val="bg1"/>
                 </a:solidFill>
@@ -10812,13 +10617,8 @@
           <a:p>
             <a:r>
               <a:rPr lang="en-US" sz="2400" b="1" dirty="0"/>
-              <a:t>4</a:t>
-            </a:r>
-            <a:r>
-              <a:rPr lang="en-US" sz="2400" b="1" dirty="0" smtClean="0"/>
-              <a:t>. Results</a:t>
-            </a:r>
-            <a:endParaRPr lang="en-US" sz="2400" b="1" dirty="0"/>
+              <a:t>4. Results</a:t>
+            </a:r>
           </a:p>
         </p:txBody>
       </p:sp>
@@ -10846,14 +10646,14 @@
           <a:p>
             <a:pPr algn="just"/>
             <a:r>
-              <a:rPr lang="en-US" sz="2000" dirty="0" smtClean="0"/>
+              <a:rPr lang="en-US" sz="2000" dirty="0"/>
               <a:t>Few-shot learning:</a:t>
             </a:r>
           </a:p>
           <a:p>
             <a:pPr algn="just"/>
             <a:r>
-              <a:rPr lang="en-US" sz="2000" dirty="0" smtClean="0">
+              <a:rPr lang="en-US" sz="2000" dirty="0">
                 <a:solidFill>
                   <a:schemeClr val="bg1"/>
                 </a:solidFill>
@@ -10993,18 +10793,13 @@
           <a:lstStyle/>
           <a:p>
             <a:r>
-              <a:rPr lang="en-US" dirty="0" smtClean="0">
+              <a:rPr lang="en-US" dirty="0">
                 <a:solidFill>
                   <a:schemeClr val="bg1"/>
                 </a:solidFill>
               </a:rPr>
               <a:t>Data distribution in training set</a:t>
             </a:r>
-            <a:endParaRPr lang="en-US" dirty="0">
-              <a:solidFill>
-                <a:schemeClr val="bg1"/>
-              </a:solidFill>
-            </a:endParaRPr>
           </a:p>
         </p:txBody>
       </p:sp>
@@ -11031,18 +10826,13 @@
           <a:lstStyle/>
           <a:p>
             <a:r>
-              <a:rPr lang="en-US" dirty="0" smtClean="0">
+              <a:rPr lang="en-US" dirty="0">
                 <a:solidFill>
                   <a:schemeClr val="bg1"/>
                 </a:solidFill>
               </a:rPr>
               <a:t>Data distribution in test set</a:t>
             </a:r>
-            <a:endParaRPr lang="en-US" dirty="0">
-              <a:solidFill>
-                <a:schemeClr val="bg1"/>
-              </a:solidFill>
-            </a:endParaRPr>
           </a:p>
         </p:txBody>
       </p:sp>
@@ -11515,13 +11305,8 @@
           <a:p>
             <a:r>
               <a:rPr lang="en-US" sz="2400" b="1" dirty="0"/>
-              <a:t>4</a:t>
-            </a:r>
-            <a:r>
-              <a:rPr lang="en-US" sz="2400" b="1" dirty="0" smtClean="0"/>
-              <a:t>. Results</a:t>
-            </a:r>
-            <a:endParaRPr lang="en-US" sz="2400" b="1" dirty="0"/>
+              <a:t>4. Results</a:t>
+            </a:r>
           </a:p>
         </p:txBody>
       </p:sp>
@@ -11549,14 +11334,14 @@
           <a:p>
             <a:pPr algn="just"/>
             <a:r>
-              <a:rPr lang="en-US" sz="2000" dirty="0" smtClean="0"/>
+              <a:rPr lang="en-US" sz="2000" dirty="0"/>
               <a:t>Few-shot learning:</a:t>
             </a:r>
           </a:p>
           <a:p>
             <a:pPr algn="just"/>
             <a:r>
-              <a:rPr lang="en-US" sz="2000" dirty="0" smtClean="0">
+              <a:rPr lang="en-US" sz="2000" dirty="0">
                 <a:solidFill>
                   <a:schemeClr val="bg1"/>
                 </a:solidFill>
@@ -11564,14 +11349,14 @@
               <a:t>Training model and evaluate it on test set, we get a result at 0.114 </a:t>
             </a:r>
             <a:r>
-              <a:rPr lang="en-US" sz="2000" dirty="0" err="1" smtClean="0">
+              <a:rPr lang="en-US" sz="2000" dirty="0" err="1">
                 <a:solidFill>
                   <a:schemeClr val="bg1"/>
                 </a:solidFill>
               </a:rPr>
               <a:t>mAP</a:t>
             </a:r>
-            <a:endParaRPr lang="en-US" sz="2000" dirty="0" smtClean="0">
+            <a:endParaRPr lang="en-US" sz="2000" dirty="0">
               <a:solidFill>
                 <a:schemeClr val="bg1"/>
               </a:solidFill>
@@ -11640,7 +11425,7 @@
       </p:sp>
       <p:pic>
         <p:nvPicPr>
-          <p:cNvPr id="6" name="Picture 5"/>
+          <p:cNvPr id="12" name="Picture 11"/>
           <p:cNvPicPr>
             <a:picLocks noChangeAspect="1"/>
           </p:cNvPicPr>
@@ -11654,8 +11439,8 @@
         </p:blipFill>
         <p:spPr>
           <a:xfrm>
-            <a:off x="6445568" y="5206093"/>
-            <a:ext cx="5302483" cy="1286761"/>
+            <a:off x="1776132" y="2138879"/>
+            <a:ext cx="3534268" cy="1181265"/>
           </a:xfrm>
           <a:prstGeom prst="rect">
             <a:avLst/>
@@ -11664,7 +11449,7 @@
       </p:pic>
       <p:pic>
         <p:nvPicPr>
-          <p:cNvPr id="12" name="Picture 11"/>
+          <p:cNvPr id="13" name="Picture 12"/>
           <p:cNvPicPr>
             <a:picLocks noChangeAspect="1"/>
           </p:cNvPicPr>
@@ -11678,17 +11463,56 @@
         </p:blipFill>
         <p:spPr>
           <a:xfrm>
-            <a:off x="1776132" y="2138879"/>
-            <a:ext cx="3534268" cy="1181265"/>
+            <a:off x="6445568" y="2115887"/>
+            <a:ext cx="5302483" cy="3090206"/>
           </a:xfrm>
           <a:prstGeom prst="rect">
             <a:avLst/>
           </a:prstGeom>
         </p:spPr>
       </p:pic>
+      <p:sp>
+        <p:nvSpPr>
+          <p:cNvPr id="14" name="TextBox 13"/>
+          <p:cNvSpPr txBox="1"/>
+          <p:nvPr/>
+        </p:nvSpPr>
+        <p:spPr>
+          <a:xfrm>
+            <a:off x="934343" y="4282763"/>
+            <a:ext cx="4376057" cy="1200329"/>
+          </a:xfrm>
+          <a:prstGeom prst="rect">
+            <a:avLst/>
+          </a:prstGeom>
+          <a:noFill/>
+        </p:spPr>
+        <p:txBody>
+          <a:bodyPr wrap="square" rtlCol="0">
+            <a:spAutoFit/>
+          </a:bodyPr>
+          <a:lstStyle/>
+          <a:p>
+            <a:r>
+              <a:rPr lang="en-US" dirty="0">
+                <a:solidFill>
+                  <a:schemeClr val="bg1"/>
+                </a:solidFill>
+              </a:rPr>
+              <a:t>Using the same image augmentation technique in class imbalance class to address this issue. The performance raise from just at 0.11mAP to 0.77mAP</a:t>
+            </a:r>
+          </a:p>
+        </p:txBody>
+      </p:sp>
       <p:pic>
         <p:nvPicPr>
-          <p:cNvPr id="13" name="Picture 12"/>
+          <p:cNvPr id="3" name="Picture 2">
+            <a:extLst>
+              <a:ext uri="{FF2B5EF4-FFF2-40B4-BE49-F238E27FC236}">
+                <a16:creationId xmlns:a16="http://schemas.microsoft.com/office/drawing/2014/main" id="{6DDFC98D-0C88-BA42-9930-A932EB2020B9}"/>
+              </a:ext>
+            </a:extLst>
+          </p:cNvPr>
           <p:cNvPicPr>
             <a:picLocks noChangeAspect="1"/>
           </p:cNvPicPr>
@@ -11702,52 +11526,14 @@
         </p:blipFill>
         <p:spPr>
           <a:xfrm>
-            <a:off x="6445568" y="2115887"/>
-            <a:ext cx="5302483" cy="3090206"/>
+            <a:off x="6445568" y="5206093"/>
+            <a:ext cx="5302483" cy="1276416"/>
           </a:xfrm>
           <a:prstGeom prst="rect">
             <a:avLst/>
           </a:prstGeom>
         </p:spPr>
       </p:pic>
-      <p:sp>
-        <p:nvSpPr>
-          <p:cNvPr id="14" name="TextBox 13"/>
-          <p:cNvSpPr txBox="1"/>
-          <p:nvPr/>
-        </p:nvSpPr>
-        <p:spPr>
-          <a:xfrm>
-            <a:off x="934343" y="4282763"/>
-            <a:ext cx="4376057" cy="1200329"/>
-          </a:xfrm>
-          <a:prstGeom prst="rect">
-            <a:avLst/>
-          </a:prstGeom>
-          <a:noFill/>
-        </p:spPr>
-        <p:txBody>
-          <a:bodyPr wrap="square" rtlCol="0">
-            <a:spAutoFit/>
-          </a:bodyPr>
-          <a:lstStyle/>
-          <a:p>
-            <a:r>
-              <a:rPr lang="en-US" dirty="0" smtClean="0">
-                <a:solidFill>
-                  <a:schemeClr val="bg1"/>
-                </a:solidFill>
-              </a:rPr>
-              <a:t>Using the same image augmentation technique in class imbalance class to address this issue. The performance raise from just at 0.11mAP to 0.38mAP</a:t>
-            </a:r>
-            <a:endParaRPr lang="en-US" dirty="0">
-              <a:solidFill>
-                <a:schemeClr val="bg1"/>
-              </a:solidFill>
-            </a:endParaRPr>
-          </a:p>
-        </p:txBody>
-      </p:sp>
     </p:spTree>
     <p:extLst>
       <p:ext uri="{BB962C8B-B14F-4D97-AF65-F5344CB8AC3E}">
@@ -11946,105 +11732,6 @@
                       </p:childTnLst>
                     </p:cTn>
                   </p:par>
-                  <p:par>
-                    <p:cTn id="15" fill="hold">
-                      <p:stCondLst>
-                        <p:cond delay="indefinite"/>
-                      </p:stCondLst>
-                      <p:childTnLst>
-                        <p:par>
-                          <p:cTn id="16" fill="hold">
-                            <p:stCondLst>
-                              <p:cond delay="0"/>
-                            </p:stCondLst>
-                            <p:childTnLst>
-                              <p:par>
-                                <p:cTn id="17" presetID="42" presetClass="entr" presetSubtype="0" fill="hold" nodeType="clickEffect">
-                                  <p:stCondLst>
-                                    <p:cond delay="0"/>
-                                  </p:stCondLst>
-                                  <p:childTnLst>
-                                    <p:set>
-                                      <p:cBhvr>
-                                        <p:cTn id="18" dur="1" fill="hold">
-                                          <p:stCondLst>
-                                            <p:cond delay="0"/>
-                                          </p:stCondLst>
-                                        </p:cTn>
-                                        <p:tgtEl>
-                                          <p:spTgt spid="6"/>
-                                        </p:tgtEl>
-                                        <p:attrNameLst>
-                                          <p:attrName>style.visibility</p:attrName>
-                                        </p:attrNameLst>
-                                      </p:cBhvr>
-                                      <p:to>
-                                        <p:strVal val="visible"/>
-                                      </p:to>
-                                    </p:set>
-                                    <p:animEffect transition="in" filter="fade">
-                                      <p:cBhvr>
-                                        <p:cTn id="19" dur="1000"/>
-                                        <p:tgtEl>
-                                          <p:spTgt spid="6"/>
-                                        </p:tgtEl>
-                                      </p:cBhvr>
-                                    </p:animEffect>
-                                    <p:anim calcmode="lin" valueType="num">
-                                      <p:cBhvr>
-                                        <p:cTn id="20" dur="1000" fill="hold"/>
-                                        <p:tgtEl>
-                                          <p:spTgt spid="6"/>
-                                        </p:tgtEl>
-                                        <p:attrNameLst>
-                                          <p:attrName>ppt_x</p:attrName>
-                                        </p:attrNameLst>
-                                      </p:cBhvr>
-                                      <p:tavLst>
-                                        <p:tav tm="0">
-                                          <p:val>
-                                            <p:strVal val="#ppt_x"/>
-                                          </p:val>
-                                        </p:tav>
-                                        <p:tav tm="100000">
-                                          <p:val>
-                                            <p:strVal val="#ppt_x"/>
-                                          </p:val>
-                                        </p:tav>
-                                      </p:tavLst>
-                                    </p:anim>
-                                    <p:anim calcmode="lin" valueType="num">
-                                      <p:cBhvr>
-                                        <p:cTn id="21" dur="1000" fill="hold"/>
-                                        <p:tgtEl>
-                                          <p:spTgt spid="6"/>
-                                        </p:tgtEl>
-                                        <p:attrNameLst>
-                                          <p:attrName>ppt_y</p:attrName>
-                                        </p:attrNameLst>
-                                      </p:cBhvr>
-                                      <p:tavLst>
-                                        <p:tav tm="0">
-                                          <p:val>
-                                            <p:strVal val="#ppt_y+.1"/>
-                                          </p:val>
-                                        </p:tav>
-                                        <p:tav tm="100000">
-                                          <p:val>
-                                            <p:strVal val="#ppt_y"/>
-                                          </p:val>
-                                        </p:tav>
-                                      </p:tavLst>
-                                    </p:anim>
-                                  </p:childTnLst>
-                                </p:cTn>
-                              </p:par>
-                            </p:childTnLst>
-                          </p:cTn>
-                        </p:par>
-                      </p:childTnLst>
-                    </p:cTn>
-                  </p:par>
                 </p:childTnLst>
               </p:cTn>
               <p:prevCondLst>
@@ -12134,10 +11821,9 @@
           <a:lstStyle/>
           <a:p>
             <a:r>
-              <a:rPr lang="en-US" sz="4000" b="1" dirty="0" smtClean="0"/>
+              <a:rPr lang="en-US" sz="4000" b="1" dirty="0"/>
               <a:t>Table of Contents</a:t>
             </a:r>
-            <a:endParaRPr lang="en-US" sz="4000" b="1" dirty="0"/>
           </a:p>
         </p:txBody>
       </p:sp>
@@ -12168,7 +11854,7 @@
               <a:buChar char="v"/>
             </a:pPr>
             <a:r>
-              <a:rPr lang="en-US" sz="2800" dirty="0" smtClean="0">
+              <a:rPr lang="en-US" sz="2800" dirty="0">
                 <a:solidFill>
                   <a:srgbClr val="FFC000"/>
                 </a:solidFill>
@@ -12182,7 +11868,7 @@
               <a:buChar char="v"/>
             </a:pPr>
             <a:r>
-              <a:rPr lang="en-US" sz="2800" dirty="0" smtClean="0">
+              <a:rPr lang="en-US" sz="2800" dirty="0">
                 <a:solidFill>
                   <a:srgbClr val="FFC000"/>
                 </a:solidFill>
@@ -12196,28 +11882,12 @@
               <a:buChar char="v"/>
             </a:pPr>
             <a:r>
-              <a:rPr lang="en-US" sz="2800" dirty="0" smtClean="0">
+              <a:rPr lang="en-US" sz="2800" dirty="0">
                 <a:solidFill>
                   <a:srgbClr val="FFC000"/>
                 </a:solidFill>
               </a:rPr>
-              <a:t>Data, </a:t>
-            </a:r>
-            <a:r>
-              <a:rPr lang="en-US" sz="2800" dirty="0">
-                <a:solidFill>
-                  <a:srgbClr val="FFC000"/>
-                </a:solidFill>
-              </a:rPr>
-              <a:t>C</a:t>
-            </a:r>
-            <a:r>
-              <a:rPr lang="en-US" sz="2800" dirty="0" smtClean="0">
-                <a:solidFill>
-                  <a:srgbClr val="FFC000"/>
-                </a:solidFill>
-              </a:rPr>
-              <a:t>lass Imbalance and Few-Shot learning</a:t>
+              <a:t>Data, Class Imbalance and Few-Shot learning</a:t>
             </a:r>
           </a:p>
           <a:p>
@@ -12226,7 +11896,7 @@
               <a:buChar char="v"/>
             </a:pPr>
             <a:r>
-              <a:rPr lang="en-US" sz="2800" dirty="0" smtClean="0">
+              <a:rPr lang="en-US" sz="2800" dirty="0">
                 <a:solidFill>
                   <a:srgbClr val="FFC000"/>
                 </a:solidFill>
@@ -12240,7 +11910,7 @@
               <a:buChar char="v"/>
             </a:pPr>
             <a:r>
-              <a:rPr lang="en-US" sz="2800" dirty="0" smtClean="0">
+              <a:rPr lang="en-US" sz="2800" dirty="0">
                 <a:solidFill>
                   <a:srgbClr val="FFC000"/>
                 </a:solidFill>
@@ -12253,7 +11923,7 @@
               <a:buFont typeface="Wingdings" panose="05000000000000000000" pitchFamily="2" charset="2"/>
               <a:buChar char="v"/>
             </a:pPr>
-            <a:endParaRPr lang="en-US" sz="2800" dirty="0" smtClean="0">
+            <a:endParaRPr lang="en-US" sz="2800" dirty="0">
               <a:solidFill>
                 <a:srgbClr val="FFC000"/>
               </a:solidFill>
@@ -12264,7 +11934,7 @@
               <a:buFont typeface="Wingdings" panose="05000000000000000000" pitchFamily="2" charset="2"/>
               <a:buChar char="v"/>
             </a:pPr>
-            <a:endParaRPr lang="en-US" sz="2800" dirty="0" smtClean="0">
+            <a:endParaRPr lang="en-US" sz="2800" dirty="0">
               <a:solidFill>
                 <a:srgbClr val="FFC000"/>
               </a:solidFill>
@@ -12341,13 +12011,6 @@
   <p:clrMapOvr>
     <a:masterClrMapping/>
   </p:clrMapOvr>
-  <p:timing>
-    <p:tnLst>
-      <p:par>
-        <p:cTn id="1" dur="indefinite" restart="never" nodeType="tmRoot"/>
-      </p:par>
-    </p:tnLst>
-  </p:timing>
 </p:sld>
 </file>
 
@@ -12413,13 +12076,8 @@
           <a:p>
             <a:r>
               <a:rPr lang="en-US" sz="2400" b="1" dirty="0"/>
-              <a:t>5</a:t>
-            </a:r>
-            <a:r>
-              <a:rPr lang="en-US" sz="2400" b="1" dirty="0" smtClean="0"/>
-              <a:t>. Conclusion and Discussions</a:t>
-            </a:r>
-            <a:endParaRPr lang="en-US" sz="2400" b="1" dirty="0"/>
+              <a:t>5. Conclusion and Discussions</a:t>
+            </a:r>
           </a:p>
         </p:txBody>
       </p:sp>
@@ -12447,14 +12105,14 @@
           <a:p>
             <a:pPr algn="just"/>
             <a:r>
-              <a:rPr lang="en-US" sz="2000" dirty="0" smtClean="0"/>
+              <a:rPr lang="en-US" sz="2000" dirty="0"/>
               <a:t>Conclusion:</a:t>
             </a:r>
           </a:p>
           <a:p>
             <a:pPr algn="just"/>
             <a:r>
-              <a:rPr lang="en-US" sz="2000" dirty="0" smtClean="0">
+              <a:rPr lang="en-US" sz="2000" dirty="0">
                 <a:solidFill>
                   <a:schemeClr val="bg1"/>
                 </a:solidFill>
@@ -12465,7 +12123,7 @@
           <a:p>
             <a:pPr algn="just"/>
             <a:r>
-              <a:rPr lang="en-US" sz="2000" dirty="0" smtClean="0">
+              <a:rPr lang="en-US" sz="2000" dirty="0">
                 <a:solidFill>
                   <a:schemeClr val="bg1"/>
                 </a:solidFill>
@@ -12558,7 +12216,7 @@
           <a:p>
             <a:pPr algn="just"/>
             <a:r>
-              <a:rPr lang="en-US" sz="2000" dirty="0" smtClean="0"/>
+              <a:rPr lang="en-US" sz="2000" dirty="0"/>
               <a:t>Limitation:</a:t>
             </a:r>
           </a:p>
@@ -12568,7 +12226,7 @@
               <a:buChar char="-"/>
             </a:pPr>
             <a:r>
-              <a:rPr lang="en-US" sz="2000" dirty="0" smtClean="0">
+              <a:rPr lang="en-US" sz="2000" dirty="0">
                 <a:solidFill>
                   <a:schemeClr val="bg1"/>
                 </a:solidFill>
@@ -12582,7 +12240,7 @@
               <a:buChar char="-"/>
             </a:pPr>
             <a:r>
-              <a:rPr lang="en-US" sz="2000" dirty="0" smtClean="0">
+              <a:rPr lang="en-US" sz="2000" dirty="0">
                 <a:solidFill>
                   <a:schemeClr val="bg1"/>
                 </a:solidFill>
@@ -12616,7 +12274,7 @@
           <a:p>
             <a:pPr algn="just"/>
             <a:r>
-              <a:rPr lang="en-US" sz="2000" dirty="0" smtClean="0"/>
+              <a:rPr lang="en-US" sz="2000" dirty="0"/>
               <a:t>Future work:</a:t>
             </a:r>
           </a:p>
@@ -12626,7 +12284,7 @@
               <a:buChar char="-"/>
             </a:pPr>
             <a:r>
-              <a:rPr lang="en-US" sz="2000" dirty="0" smtClean="0">
+              <a:rPr lang="en-US" sz="2000" dirty="0">
                 <a:solidFill>
                   <a:schemeClr val="bg1"/>
                 </a:solidFill>
@@ -12640,7 +12298,7 @@
               <a:buChar char="-"/>
             </a:pPr>
             <a:r>
-              <a:rPr lang="en-US" sz="2000" dirty="0" smtClean="0">
+              <a:rPr lang="en-US" sz="2000" dirty="0">
                 <a:solidFill>
                   <a:schemeClr val="bg1"/>
                 </a:solidFill>
@@ -12654,7 +12312,7 @@
               <a:buChar char="-"/>
             </a:pPr>
             <a:r>
-              <a:rPr lang="en-US" sz="2000" dirty="0" smtClean="0">
+              <a:rPr lang="en-US" sz="2000" dirty="0">
                 <a:solidFill>
                   <a:schemeClr val="bg1"/>
                 </a:solidFill>
@@ -12674,13 +12332,6 @@
   <p:clrMapOvr>
     <a:masterClrMapping/>
   </p:clrMapOvr>
-  <p:timing>
-    <p:tnLst>
-      <p:par>
-        <p:cTn id="1" dur="indefinite" restart="never" nodeType="tmRoot"/>
-      </p:par>
-    </p:tnLst>
-  </p:timing>
 </p:sld>
 </file>
 
@@ -12745,10 +12396,9 @@
           <a:lstStyle/>
           <a:p>
             <a:r>
-              <a:rPr lang="en-US" sz="2400" b="1" dirty="0" smtClean="0"/>
+              <a:rPr lang="en-US" sz="2400" b="1" dirty="0"/>
               <a:t>1. Background</a:t>
             </a:r>
-            <a:endParaRPr lang="en-US" sz="2400" b="1" dirty="0"/>
           </a:p>
         </p:txBody>
       </p:sp>
@@ -12775,7 +12425,7 @@
           <a:lstStyle/>
           <a:p>
             <a:r>
-              <a:rPr lang="en-US" sz="2000" dirty="0" smtClean="0">
+              <a:rPr lang="en-US" sz="2000" dirty="0">
                 <a:solidFill>
                   <a:schemeClr val="bg1"/>
                 </a:solidFill>
@@ -12790,15 +12440,7 @@
                   <a:schemeClr val="bg1"/>
                 </a:solidFill>
               </a:rPr>
-              <a:t>	</a:t>
-            </a:r>
-            <a:r>
-              <a:rPr lang="en-US" sz="2000" dirty="0" smtClean="0">
-                <a:solidFill>
-                  <a:schemeClr val="bg1"/>
-                </a:solidFill>
-              </a:rPr>
-              <a:t>- An area of artificial intelligence which 	enable computers to derive information 	from images</a:t>
+              <a:t>	- An area of artificial intelligence which 	enable computers to derive information 	from images</a:t>
             </a:r>
           </a:p>
           <a:p>
@@ -12808,15 +12450,7 @@
                   <a:schemeClr val="bg1"/>
                 </a:solidFill>
               </a:rPr>
-              <a:t>	</a:t>
-            </a:r>
-            <a:r>
-              <a:rPr lang="en-US" sz="2000" dirty="0" smtClean="0">
-                <a:solidFill>
-                  <a:schemeClr val="bg1"/>
-                </a:solidFill>
-              </a:rPr>
-              <a:t>- Two essential technologies: deep 	learning and 	convolutional neural 	network (CNN)	</a:t>
+              <a:t>	- Two essential technologies: deep 	learning and 	convolutional neural 	network (CNN)	</a:t>
             </a:r>
           </a:p>
           <a:p>
@@ -12828,7 +12462,7 @@
           </a:p>
           <a:p>
             <a:r>
-              <a:rPr lang="en-US" sz="2000" dirty="0" smtClean="0">
+              <a:rPr lang="en-US" sz="2000" dirty="0">
                 <a:solidFill>
                   <a:schemeClr val="bg1"/>
                 </a:solidFill>
@@ -12843,15 +12477,7 @@
                   <a:schemeClr val="bg1"/>
                 </a:solidFill>
               </a:rPr>
-              <a:t>	</a:t>
-            </a:r>
-            <a:r>
-              <a:rPr lang="en-US" sz="2000" dirty="0" smtClean="0">
-                <a:solidFill>
-                  <a:schemeClr val="bg1"/>
-                </a:solidFill>
-              </a:rPr>
-              <a:t>- A branch of computer vision: identify 	object 	types and their locations in images</a:t>
+              <a:t>	- A branch of computer vision: identify 	object 	types and their locations in images</a:t>
             </a:r>
           </a:p>
           <a:p>
@@ -12861,15 +12487,7 @@
                   <a:schemeClr val="bg1"/>
                 </a:solidFill>
               </a:rPr>
-              <a:t>	</a:t>
-            </a:r>
-            <a:r>
-              <a:rPr lang="en-US" sz="2000" dirty="0" smtClean="0">
-                <a:solidFill>
-                  <a:schemeClr val="bg1"/>
-                </a:solidFill>
-              </a:rPr>
-              <a:t>- Highly practical fields: autonomous 	driving, video 	surveillance, anomaly 	detection</a:t>
+              <a:t>	- Highly practical fields: autonomous 	driving, video 	surveillance, anomaly 	detection</a:t>
             </a:r>
           </a:p>
           <a:p>
@@ -12879,15 +12497,7 @@
                   <a:schemeClr val="bg1"/>
                 </a:solidFill>
               </a:rPr>
-              <a:t>	</a:t>
-            </a:r>
-            <a:r>
-              <a:rPr lang="en-US" sz="2000" dirty="0" smtClean="0">
-                <a:solidFill>
-                  <a:schemeClr val="bg1"/>
-                </a:solidFill>
-              </a:rPr>
-              <a:t>- Emerged since 2000 due to deep 	learning and 	power of GPU</a:t>
+              <a:t>	- Emerged since 2000 due to deep 	learning and 	power of GPU</a:t>
             </a:r>
           </a:p>
         </p:txBody>
@@ -13021,13 +12631,6 @@
   <p:clrMapOvr>
     <a:masterClrMapping/>
   </p:clrMapOvr>
-  <p:timing>
-    <p:tnLst>
-      <p:par>
-        <p:cTn id="1" dur="indefinite" restart="never" nodeType="tmRoot"/>
-      </p:par>
-    </p:tnLst>
-  </p:timing>
 </p:sld>
 </file>
 
@@ -13092,10 +12695,9 @@
           <a:lstStyle/>
           <a:p>
             <a:r>
-              <a:rPr lang="en-US" sz="2400" b="1" dirty="0" smtClean="0"/>
+              <a:rPr lang="en-US" sz="2400" b="1" dirty="0"/>
               <a:t>1. Background</a:t>
             </a:r>
-            <a:endParaRPr lang="en-US" sz="2400" b="1" dirty="0"/>
           </a:p>
         </p:txBody>
       </p:sp>
@@ -13122,7 +12724,7 @@
           <a:lstStyle/>
           <a:p>
             <a:r>
-              <a:rPr lang="en-US" sz="2000" dirty="0" smtClean="0">
+              <a:rPr lang="en-US" sz="2000" dirty="0">
                 <a:solidFill>
                   <a:schemeClr val="bg1"/>
                 </a:solidFill>
@@ -13132,7 +12734,7 @@
           </a:p>
           <a:p>
             <a:r>
-              <a:rPr lang="en-US" sz="2000" dirty="0" smtClean="0">
+              <a:rPr lang="en-US" sz="2000" dirty="0">
                 <a:solidFill>
                   <a:schemeClr val="bg1"/>
                 </a:solidFill>
@@ -13142,7 +12744,7 @@
           </a:p>
           <a:p>
             <a:r>
-              <a:rPr lang="en-US" sz="2000" dirty="0" smtClean="0">
+              <a:rPr lang="en-US" sz="2000" dirty="0">
                 <a:solidFill>
                   <a:schemeClr val="bg1"/>
                 </a:solidFill>
@@ -13150,7 +12752,7 @@
               <a:t>		+ One stage: YOLO , SSD (2016), </a:t>
             </a:r>
             <a:r>
-              <a:rPr lang="en-US" sz="2000" dirty="0" err="1" smtClean="0">
+              <a:rPr lang="en-US" sz="2000" dirty="0" err="1">
                 <a:solidFill>
                   <a:schemeClr val="bg1"/>
                 </a:solidFill>
@@ -13158,7 +12760,7 @@
               <a:t>RetinaNet</a:t>
             </a:r>
             <a:r>
-              <a:rPr lang="en-US" sz="2000" dirty="0" smtClean="0">
+              <a:rPr lang="en-US" sz="2000" dirty="0">
                 <a:solidFill>
                   <a:schemeClr val="bg1"/>
                 </a:solidFill>
@@ -13168,7 +12770,7 @@
           </a:p>
           <a:p>
             <a:r>
-              <a:rPr lang="en-US" sz="2000" dirty="0" smtClean="0">
+              <a:rPr lang="en-US" sz="2000" dirty="0">
                 <a:solidFill>
                   <a:schemeClr val="bg1"/>
                 </a:solidFill>
@@ -13177,7 +12779,7 @@
             </a:r>
           </a:p>
           <a:p>
-            <a:endParaRPr lang="en-US" sz="2000" dirty="0" smtClean="0">
+            <a:endParaRPr lang="en-US" sz="2000" dirty="0">
               <a:solidFill>
                 <a:schemeClr val="bg1"/>
               </a:solidFill>
@@ -13185,7 +12787,7 @@
           </a:p>
           <a:p>
             <a:r>
-              <a:rPr lang="en-US" sz="2000" dirty="0" smtClean="0">
+              <a:rPr lang="en-US" sz="2000" dirty="0">
                 <a:solidFill>
                   <a:schemeClr val="bg1"/>
                 </a:solidFill>
@@ -13193,7 +12795,7 @@
               <a:t>YOLO3 developed by Joseph </a:t>
             </a:r>
             <a:r>
-              <a:rPr lang="en-US" sz="2000" dirty="0" err="1" smtClean="0">
+              <a:rPr lang="en-US" sz="2000" dirty="0" err="1">
                 <a:solidFill>
                   <a:schemeClr val="bg1"/>
                 </a:solidFill>
@@ -13201,7 +12803,7 @@
               <a:t>Redmon</a:t>
             </a:r>
             <a:r>
-              <a:rPr lang="en-US" sz="2000" dirty="0" smtClean="0">
+              <a:rPr lang="en-US" sz="2000" dirty="0">
                 <a:solidFill>
                   <a:schemeClr val="bg1"/>
                 </a:solidFill>
@@ -13280,13 +12882,6 @@
   <p:clrMapOvr>
     <a:masterClrMapping/>
   </p:clrMapOvr>
-  <p:timing>
-    <p:tnLst>
-      <p:par>
-        <p:cTn id="1" dur="indefinite" restart="never" nodeType="tmRoot"/>
-      </p:par>
-    </p:tnLst>
-  </p:timing>
 </p:sld>
 </file>
 
@@ -13352,13 +12947,8 @@
           <a:p>
             <a:r>
               <a:rPr lang="en-US" sz="2400" b="1" dirty="0"/>
-              <a:t>2</a:t>
-            </a:r>
-            <a:r>
-              <a:rPr lang="en-US" sz="2400" b="1" dirty="0" smtClean="0"/>
-              <a:t>. YOLO algorithms details</a:t>
-            </a:r>
-            <a:endParaRPr lang="en-US" sz="2400" b="1" dirty="0"/>
+              <a:t>2. YOLO algorithms details</a:t>
+            </a:r>
           </a:p>
         </p:txBody>
       </p:sp>
@@ -13385,7 +12975,7 @@
           <a:lstStyle/>
           <a:p>
             <a:r>
-              <a:rPr lang="en-US" sz="2000" dirty="0" smtClean="0">
+              <a:rPr lang="en-US" sz="2000" dirty="0">
                 <a:solidFill>
                   <a:schemeClr val="bg1"/>
                 </a:solidFill>
@@ -13393,7 +12983,7 @@
               <a:t>Images are divided into </a:t>
             </a:r>
             <a:r>
-              <a:rPr lang="en-US" sz="2000" dirty="0" err="1" smtClean="0">
+              <a:rPr lang="en-US" sz="2000" dirty="0" err="1">
                 <a:solidFill>
                   <a:schemeClr val="bg1"/>
                 </a:solidFill>
@@ -13401,7 +12991,7 @@
               <a:t>NxN</a:t>
             </a:r>
             <a:r>
-              <a:rPr lang="en-US" sz="2000" dirty="0" smtClean="0">
+              <a:rPr lang="en-US" sz="2000" dirty="0">
                 <a:solidFill>
                   <a:schemeClr val="bg1"/>
                 </a:solidFill>
@@ -13411,7 +13001,7 @@
           </a:p>
           <a:p>
             <a:r>
-              <a:rPr lang="en-US" sz="2000" dirty="0" smtClean="0">
+              <a:rPr lang="en-US" sz="2000" dirty="0">
                 <a:solidFill>
                   <a:schemeClr val="bg1"/>
                 </a:solidFill>
@@ -13419,7 +13009,7 @@
               <a:t>-   Each cell go through CNN will output three vector objects : ( </a:t>
             </a:r>
             <a:r>
-              <a:rPr lang="en-US" sz="2000" dirty="0" err="1" smtClean="0">
+              <a:rPr lang="en-US" sz="2000" dirty="0" err="1">
                 <a:solidFill>
                   <a:schemeClr val="bg1"/>
                 </a:solidFill>
@@ -13427,7 +13017,7 @@
               <a:t>t</a:t>
             </a:r>
             <a:r>
-              <a:rPr lang="en-US" sz="2000" baseline="-25000" dirty="0" err="1" smtClean="0">
+              <a:rPr lang="en-US" sz="2000" baseline="-25000" dirty="0" err="1">
                 <a:solidFill>
                   <a:schemeClr val="bg1"/>
                 </a:solidFill>
@@ -13435,7 +13025,7 @@
               <a:t>x</a:t>
             </a:r>
             <a:r>
-              <a:rPr lang="en-US" sz="2000" dirty="0" smtClean="0">
+              <a:rPr lang="en-US" sz="2000" dirty="0">
                 <a:solidFill>
                   <a:schemeClr val="bg1"/>
                 </a:solidFill>
@@ -13443,7 +13033,7 @@
               <a:t>, t</a:t>
             </a:r>
             <a:r>
-              <a:rPr lang="en-US" sz="2000" baseline="-25000" dirty="0" smtClean="0">
+              <a:rPr lang="en-US" sz="2000" baseline="-25000" dirty="0">
                 <a:solidFill>
                   <a:schemeClr val="bg1"/>
                 </a:solidFill>
@@ -13451,7 +13041,7 @@
               <a:t>y</a:t>
             </a:r>
             <a:r>
-              <a:rPr lang="en-US" sz="2000" dirty="0" smtClean="0">
+              <a:rPr lang="en-US" sz="2000" dirty="0">
                 <a:solidFill>
                   <a:schemeClr val="bg1"/>
                 </a:solidFill>
@@ -13459,7 +13049,7 @@
               <a:t>, </a:t>
             </a:r>
             <a:r>
-              <a:rPr lang="en-US" sz="2000" dirty="0" err="1" smtClean="0">
+              <a:rPr lang="en-US" sz="2000" dirty="0" err="1">
                 <a:solidFill>
                   <a:schemeClr val="bg1"/>
                 </a:solidFill>
@@ -13467,7 +13057,7 @@
               <a:t>t</a:t>
             </a:r>
             <a:r>
-              <a:rPr lang="en-US" sz="2000" baseline="-25000" dirty="0" err="1" smtClean="0">
+              <a:rPr lang="en-US" sz="2000" baseline="-25000" dirty="0" err="1">
                 <a:solidFill>
                   <a:schemeClr val="bg1"/>
                 </a:solidFill>
@@ -13475,7 +13065,7 @@
               <a:t>w</a:t>
             </a:r>
             <a:r>
-              <a:rPr lang="en-US" sz="2000" dirty="0" smtClean="0">
+              <a:rPr lang="en-US" sz="2000" dirty="0">
                 <a:solidFill>
                   <a:schemeClr val="bg1"/>
                 </a:solidFill>
@@ -13483,7 +13073,7 @@
               <a:t>, </a:t>
             </a:r>
             <a:r>
-              <a:rPr lang="en-US" sz="2000" dirty="0" err="1" smtClean="0">
+              <a:rPr lang="en-US" sz="2000" dirty="0" err="1">
                 <a:solidFill>
                   <a:schemeClr val="bg1"/>
                 </a:solidFill>
@@ -13491,7 +13081,7 @@
               <a:t>t</a:t>
             </a:r>
             <a:r>
-              <a:rPr lang="en-US" sz="2000" baseline="-25000" dirty="0" err="1" smtClean="0">
+              <a:rPr lang="en-US" sz="2000" baseline="-25000" dirty="0" err="1">
                 <a:solidFill>
                   <a:schemeClr val="bg1"/>
                 </a:solidFill>
@@ -13499,7 +13089,7 @@
               <a:t>h</a:t>
             </a:r>
             <a:r>
-              <a:rPr lang="en-US" sz="2000" dirty="0" smtClean="0">
+              <a:rPr lang="en-US" sz="2000" dirty="0">
                 <a:solidFill>
                   <a:schemeClr val="bg1"/>
                 </a:solidFill>
@@ -13507,7 +13097,7 @@
               <a:t>, p</a:t>
             </a:r>
             <a:r>
-              <a:rPr lang="en-US" sz="2000" baseline="-25000" dirty="0" smtClean="0">
+              <a:rPr lang="en-US" sz="2000" baseline="-25000" dirty="0">
                 <a:solidFill>
                   <a:schemeClr val="bg1"/>
                 </a:solidFill>
@@ -13515,7 +13105,7 @@
               <a:t>c</a:t>
             </a:r>
             <a:r>
-              <a:rPr lang="en-US" sz="2000" dirty="0" smtClean="0">
+              <a:rPr lang="en-US" sz="2000" dirty="0">
                 <a:solidFill>
                   <a:schemeClr val="bg1"/>
                 </a:solidFill>
@@ -13523,7 +13113,7 @@
               <a:t> , C</a:t>
             </a:r>
             <a:r>
-              <a:rPr lang="en-US" sz="2000" baseline="-25000" dirty="0" smtClean="0">
+              <a:rPr lang="en-US" sz="2000" baseline="-25000" dirty="0">
                 <a:solidFill>
                   <a:schemeClr val="bg1"/>
                 </a:solidFill>
@@ -13531,7 +13121,7 @@
               <a:t>1</a:t>
             </a:r>
             <a:r>
-              <a:rPr lang="en-US" sz="2000" dirty="0" smtClean="0">
+              <a:rPr lang="en-US" sz="2000" dirty="0">
                 <a:solidFill>
                   <a:schemeClr val="bg1"/>
                 </a:solidFill>
@@ -13539,7 +13129,7 @@
               <a:t>,…,</a:t>
             </a:r>
             <a:r>
-              <a:rPr lang="en-US" sz="2000" dirty="0" err="1" smtClean="0">
+              <a:rPr lang="en-US" sz="2000" dirty="0" err="1">
                 <a:solidFill>
                   <a:schemeClr val="bg1"/>
                 </a:solidFill>
@@ -13547,7 +13137,7 @@
               <a:t>C</a:t>
             </a:r>
             <a:r>
-              <a:rPr lang="en-US" sz="2000" baseline="-25000" dirty="0" err="1" smtClean="0">
+              <a:rPr lang="en-US" sz="2000" baseline="-25000" dirty="0" err="1">
                 <a:solidFill>
                   <a:schemeClr val="bg1"/>
                 </a:solidFill>
@@ -13555,7 +13145,7 @@
               <a:t>k</a:t>
             </a:r>
             <a:r>
-              <a:rPr lang="en-US" sz="2000" baseline="-25000" dirty="0" smtClean="0">
+              <a:rPr lang="en-US" sz="2000" baseline="-25000" dirty="0">
                 <a:solidFill>
                   <a:schemeClr val="bg1"/>
                 </a:solidFill>
@@ -13563,7 +13153,7 @@
               <a:t> </a:t>
             </a:r>
             <a:r>
-              <a:rPr lang="en-US" sz="2000" dirty="0" smtClean="0">
+              <a:rPr lang="en-US" sz="2000" dirty="0">
                 <a:solidFill>
                   <a:schemeClr val="bg1"/>
                 </a:solidFill>
@@ -13658,18 +13248,13 @@
           <a:p>
             <a:pPr algn="ctr"/>
             <a:r>
-              <a:rPr lang="en-US" sz="1400" dirty="0" smtClean="0">
+              <a:rPr lang="en-US" sz="1400" dirty="0">
                 <a:solidFill>
                   <a:schemeClr val="tx1"/>
                 </a:solidFill>
               </a:rPr>
               <a:t> Image pre-processing unit</a:t>
             </a:r>
-            <a:endParaRPr lang="en-US" sz="1400" dirty="0">
-              <a:solidFill>
-                <a:schemeClr val="tx1"/>
-              </a:solidFill>
-            </a:endParaRPr>
           </a:p>
         </p:txBody>
       </p:sp>
@@ -13982,18 +13567,13 @@
           <a:p>
             <a:pPr algn="ctr"/>
             <a:r>
-              <a:rPr lang="en-US" dirty="0" smtClean="0">
+              <a:rPr lang="en-US" dirty="0">
                 <a:solidFill>
                   <a:schemeClr val="tx1"/>
                 </a:solidFill>
               </a:rPr>
               <a:t>CNN</a:t>
             </a:r>
-            <a:endParaRPr lang="en-US" dirty="0">
-              <a:solidFill>
-                <a:schemeClr val="tx1"/>
-              </a:solidFill>
-            </a:endParaRPr>
           </a:p>
         </p:txBody>
       </p:sp>
@@ -14060,18 +13640,13 @@
           <a:lstStyle/>
           <a:p>
             <a:r>
-              <a:rPr lang="en-US" sz="1600" dirty="0" smtClean="0">
+              <a:rPr lang="en-US" sz="1600" dirty="0">
                 <a:solidFill>
                   <a:schemeClr val="bg1"/>
                 </a:solidFill>
               </a:rPr>
               <a:t>NxNx3x(5+nb_classes)</a:t>
             </a:r>
-            <a:endParaRPr lang="en-US" sz="1600" dirty="0">
-              <a:solidFill>
-                <a:schemeClr val="bg1"/>
-              </a:solidFill>
-            </a:endParaRPr>
           </a:p>
         </p:txBody>
       </p:sp>
@@ -14098,7 +13673,7 @@
           <a:lstStyle/>
           <a:p>
             <a:r>
-              <a:rPr lang="en-US" dirty="0" smtClean="0">
+              <a:rPr lang="en-US" dirty="0">
                 <a:solidFill>
                   <a:schemeClr val="bg1"/>
                 </a:solidFill>
@@ -14106,7 +13681,7 @@
               <a:t>( t</a:t>
             </a:r>
             <a:r>
-              <a:rPr lang="en-US" baseline="-25000" dirty="0" smtClean="0">
+              <a:rPr lang="en-US" baseline="-25000" dirty="0">
                 <a:solidFill>
                   <a:schemeClr val="bg1"/>
                 </a:solidFill>
@@ -14114,7 +13689,7 @@
               <a:t>x</a:t>
             </a:r>
             <a:r>
-              <a:rPr lang="en-US" dirty="0" smtClean="0">
+              <a:rPr lang="en-US" dirty="0">
                 <a:solidFill>
                   <a:schemeClr val="bg1"/>
                 </a:solidFill>
@@ -14122,7 +13697,7 @@
               <a:t>, t</a:t>
             </a:r>
             <a:r>
-              <a:rPr lang="en-US" baseline="-25000" dirty="0" smtClean="0">
+              <a:rPr lang="en-US" baseline="-25000" dirty="0">
                 <a:solidFill>
                   <a:schemeClr val="bg1"/>
                 </a:solidFill>
@@ -14130,7 +13705,7 @@
               <a:t>y</a:t>
             </a:r>
             <a:r>
-              <a:rPr lang="en-US" dirty="0" smtClean="0">
+              <a:rPr lang="en-US" dirty="0">
                 <a:solidFill>
                   <a:schemeClr val="bg1"/>
                 </a:solidFill>
@@ -14138,7 +13713,7 @@
               <a:t>, t</a:t>
             </a:r>
             <a:r>
-              <a:rPr lang="en-US" baseline="-25000" dirty="0" smtClean="0">
+              <a:rPr lang="en-US" baseline="-25000" dirty="0">
                 <a:solidFill>
                   <a:schemeClr val="bg1"/>
                 </a:solidFill>
@@ -14146,7 +13721,7 @@
               <a:t>w</a:t>
             </a:r>
             <a:r>
-              <a:rPr lang="en-US" dirty="0" smtClean="0">
+              <a:rPr lang="en-US" dirty="0">
                 <a:solidFill>
                   <a:schemeClr val="bg1"/>
                 </a:solidFill>
@@ -14154,7 +13729,7 @@
               <a:t>, t</a:t>
             </a:r>
             <a:r>
-              <a:rPr lang="en-US" baseline="-25000" dirty="0" smtClean="0">
+              <a:rPr lang="en-US" baseline="-25000" dirty="0">
                 <a:solidFill>
                   <a:schemeClr val="bg1"/>
                 </a:solidFill>
@@ -14162,7 +13737,7 @@
               <a:t>h</a:t>
             </a:r>
             <a:r>
-              <a:rPr lang="en-US" dirty="0" smtClean="0">
+              <a:rPr lang="en-US" dirty="0">
                 <a:solidFill>
                   <a:schemeClr val="bg1"/>
                 </a:solidFill>
@@ -14170,7 +13745,7 @@
               <a:t>, p</a:t>
             </a:r>
             <a:r>
-              <a:rPr lang="en-US" baseline="-25000" dirty="0" smtClean="0">
+              <a:rPr lang="en-US" baseline="-25000" dirty="0">
                 <a:solidFill>
                   <a:schemeClr val="bg1"/>
                 </a:solidFill>
@@ -14178,7 +13753,7 @@
               <a:t>c</a:t>
             </a:r>
             <a:r>
-              <a:rPr lang="en-US" dirty="0" smtClean="0">
+              <a:rPr lang="en-US" dirty="0">
                 <a:solidFill>
                   <a:schemeClr val="bg1"/>
                 </a:solidFill>
@@ -14186,7 +13761,7 @@
               <a:t> , C</a:t>
             </a:r>
             <a:r>
-              <a:rPr lang="en-US" baseline="-25000" dirty="0" smtClean="0">
+              <a:rPr lang="en-US" baseline="-25000" dirty="0">
                 <a:solidFill>
                   <a:schemeClr val="bg1"/>
                 </a:solidFill>
@@ -14194,7 +13769,7 @@
               <a:t>1</a:t>
             </a:r>
             <a:r>
-              <a:rPr lang="en-US" dirty="0" smtClean="0">
+              <a:rPr lang="en-US" dirty="0">
                 <a:solidFill>
                   <a:schemeClr val="bg1"/>
                 </a:solidFill>
@@ -14202,7 +13777,7 @@
               <a:t>,…,</a:t>
             </a:r>
             <a:r>
-              <a:rPr lang="en-US" dirty="0" err="1" smtClean="0">
+              <a:rPr lang="en-US" dirty="0" err="1">
                 <a:solidFill>
                   <a:schemeClr val="bg1"/>
                 </a:solidFill>
@@ -14210,7 +13785,7 @@
               <a:t>C</a:t>
             </a:r>
             <a:r>
-              <a:rPr lang="en-US" baseline="-25000" dirty="0" err="1" smtClean="0">
+              <a:rPr lang="en-US" baseline="-25000" dirty="0" err="1">
                 <a:solidFill>
                   <a:schemeClr val="bg1"/>
                 </a:solidFill>
@@ -14218,7 +13793,7 @@
               <a:t>k</a:t>
             </a:r>
             <a:r>
-              <a:rPr lang="en-US" baseline="-25000" dirty="0" smtClean="0">
+              <a:rPr lang="en-US" baseline="-25000" dirty="0">
                 <a:solidFill>
                   <a:schemeClr val="bg1"/>
                 </a:solidFill>
@@ -14226,18 +13801,13 @@
               <a:t> </a:t>
             </a:r>
             <a:r>
-              <a:rPr lang="en-US" dirty="0" smtClean="0">
+              <a:rPr lang="en-US" dirty="0">
                 <a:solidFill>
                   <a:schemeClr val="bg1"/>
                 </a:solidFill>
               </a:rPr>
               <a:t>) </a:t>
             </a:r>
-            <a:endParaRPr lang="en-US" dirty="0">
-              <a:solidFill>
-                <a:schemeClr val="bg1"/>
-              </a:solidFill>
-            </a:endParaRPr>
           </a:p>
         </p:txBody>
       </p:sp>
@@ -14278,18 +13848,13 @@
           <a:p>
             <a:pPr algn="ctr"/>
             <a:r>
-              <a:rPr lang="en-US" sz="1400" dirty="0" smtClean="0">
+              <a:rPr lang="en-US" sz="1400" dirty="0">
                 <a:solidFill>
                   <a:schemeClr val="tx1"/>
                 </a:solidFill>
               </a:rPr>
               <a:t>Output processing unit</a:t>
             </a:r>
-            <a:endParaRPr lang="en-US" sz="1400" dirty="0">
-              <a:solidFill>
-                <a:schemeClr val="tx1"/>
-              </a:solidFill>
-            </a:endParaRPr>
           </a:p>
         </p:txBody>
       </p:sp>
@@ -14436,7 +14001,7 @@
           <a:lstStyle/>
           <a:p>
             <a:r>
-              <a:rPr lang="en-US" dirty="0" err="1" smtClean="0">
+              <a:rPr lang="en-US" dirty="0" err="1">
                 <a:solidFill>
                   <a:schemeClr val="bg1"/>
                 </a:solidFill>
@@ -14515,18 +14080,13 @@
           <a:p>
             <a:pPr algn="ctr"/>
             <a:r>
-              <a:rPr lang="en-US" sz="1600" dirty="0" smtClean="0">
+              <a:rPr lang="en-US" sz="1600" dirty="0">
                 <a:solidFill>
                   <a:schemeClr val="bg1"/>
                 </a:solidFill>
               </a:rPr>
               <a:t>List of objects in images</a:t>
             </a:r>
-            <a:endParaRPr lang="en-US" sz="1600" dirty="0">
-              <a:solidFill>
-                <a:schemeClr val="bg1"/>
-              </a:solidFill>
-            </a:endParaRPr>
           </a:p>
         </p:txBody>
       </p:sp>
@@ -14724,7 +14284,7 @@
           <a:lstStyle/>
           <a:p>
             <a:r>
-              <a:rPr lang="en-US" dirty="0" err="1" smtClean="0">
+              <a:rPr lang="en-US" dirty="0" err="1">
                 <a:solidFill>
                   <a:schemeClr val="bg1"/>
                 </a:solidFill>
@@ -14732,7 +14292,7 @@
               <a:t>t</a:t>
             </a:r>
             <a:r>
-              <a:rPr lang="en-US" baseline="-25000" dirty="0" err="1" smtClean="0">
+              <a:rPr lang="en-US" baseline="-25000" dirty="0" err="1">
                 <a:solidFill>
                   <a:schemeClr val="bg1"/>
                 </a:solidFill>
@@ -14740,7 +14300,7 @@
               <a:t>x</a:t>
             </a:r>
             <a:r>
-              <a:rPr lang="en-US" dirty="0" smtClean="0">
+              <a:rPr lang="en-US" dirty="0">
                 <a:solidFill>
                   <a:schemeClr val="bg1"/>
                 </a:solidFill>
@@ -14748,7 +14308,7 @@
               <a:t>, t</a:t>
             </a:r>
             <a:r>
-              <a:rPr lang="en-US" baseline="-25000" dirty="0" smtClean="0">
+              <a:rPr lang="en-US" baseline="-25000" dirty="0">
                 <a:solidFill>
                   <a:schemeClr val="bg1"/>
                 </a:solidFill>
@@ -14756,7 +14316,7 @@
               <a:t>y </a:t>
             </a:r>
             <a:r>
-              <a:rPr lang="en-US" dirty="0" smtClean="0">
+              <a:rPr lang="en-US" dirty="0">
                 <a:solidFill>
                   <a:schemeClr val="bg1"/>
                 </a:solidFill>
@@ -14766,7 +14326,7 @@
           </a:p>
           <a:p>
             <a:r>
-              <a:rPr lang="en-US" dirty="0" err="1" smtClean="0">
+              <a:rPr lang="en-US" dirty="0" err="1">
                 <a:solidFill>
                   <a:schemeClr val="bg1"/>
                 </a:solidFill>
@@ -14774,7 +14334,7 @@
               <a:t>t</a:t>
             </a:r>
             <a:r>
-              <a:rPr lang="en-US" baseline="-25000" dirty="0" err="1" smtClean="0">
+              <a:rPr lang="en-US" baseline="-25000" dirty="0" err="1">
                 <a:solidFill>
                   <a:schemeClr val="bg1"/>
                 </a:solidFill>
@@ -14782,7 +14342,7 @@
               <a:t>w</a:t>
             </a:r>
             <a:r>
-              <a:rPr lang="en-US" dirty="0" smtClean="0">
+              <a:rPr lang="en-US" dirty="0">
                 <a:solidFill>
                   <a:schemeClr val="bg1"/>
                 </a:solidFill>
@@ -14790,7 +14350,7 @@
               <a:t>, </a:t>
             </a:r>
             <a:r>
-              <a:rPr lang="en-US" dirty="0" err="1" smtClean="0">
+              <a:rPr lang="en-US" dirty="0" err="1">
                 <a:solidFill>
                   <a:schemeClr val="bg1"/>
                 </a:solidFill>
@@ -14798,7 +14358,7 @@
               <a:t>t</a:t>
             </a:r>
             <a:r>
-              <a:rPr lang="en-US" baseline="-25000" dirty="0" err="1" smtClean="0">
+              <a:rPr lang="en-US" baseline="-25000" dirty="0" err="1">
                 <a:solidFill>
                   <a:schemeClr val="bg1"/>
                 </a:solidFill>
@@ -14806,7 +14366,7 @@
               <a:t>h</a:t>
             </a:r>
             <a:r>
-              <a:rPr lang="en-US" dirty="0" smtClean="0">
+              <a:rPr lang="en-US" dirty="0">
                 <a:solidFill>
                   <a:schemeClr val="bg1"/>
                 </a:solidFill>
@@ -14816,7 +14376,7 @@
           </a:p>
           <a:p>
             <a:r>
-              <a:rPr lang="en-US" dirty="0" smtClean="0">
+              <a:rPr lang="en-US" dirty="0">
                 <a:solidFill>
                   <a:schemeClr val="bg1"/>
                 </a:solidFill>
@@ -14824,7 +14384,7 @@
               <a:t>P</a:t>
             </a:r>
             <a:r>
-              <a:rPr lang="en-US" baseline="-25000" dirty="0" smtClean="0">
+              <a:rPr lang="en-US" baseline="-25000" dirty="0">
                 <a:solidFill>
                   <a:schemeClr val="bg1"/>
                 </a:solidFill>
@@ -14832,7 +14392,7 @@
               <a:t>c </a:t>
             </a:r>
             <a:r>
-              <a:rPr lang="en-US" dirty="0" smtClean="0">
+              <a:rPr lang="en-US" dirty="0">
                 <a:solidFill>
                   <a:schemeClr val="bg1"/>
                 </a:solidFill>
@@ -14842,7 +14402,7 @@
           </a:p>
           <a:p>
             <a:r>
-              <a:rPr lang="en-US" dirty="0" smtClean="0">
+              <a:rPr lang="en-US" dirty="0">
                 <a:solidFill>
                   <a:schemeClr val="bg1"/>
                 </a:solidFill>
@@ -14850,7 +14410,7 @@
               <a:t>C</a:t>
             </a:r>
             <a:r>
-              <a:rPr lang="en-US" baseline="-25000" dirty="0" smtClean="0">
+              <a:rPr lang="en-US" baseline="-25000" dirty="0">
                 <a:solidFill>
                   <a:schemeClr val="bg1"/>
                 </a:solidFill>
@@ -14858,7 +14418,7 @@
               <a:t>1</a:t>
             </a:r>
             <a:r>
-              <a:rPr lang="en-US" dirty="0" smtClean="0">
+              <a:rPr lang="en-US" dirty="0">
                 <a:solidFill>
                   <a:schemeClr val="bg1"/>
                 </a:solidFill>
@@ -14866,7 +14426,7 @@
               <a:t>, C</a:t>
             </a:r>
             <a:r>
-              <a:rPr lang="en-US" baseline="-25000" dirty="0" smtClean="0">
+              <a:rPr lang="en-US" baseline="-25000" dirty="0">
                 <a:solidFill>
                   <a:schemeClr val="bg1"/>
                 </a:solidFill>
@@ -14874,7 +14434,7 @@
               <a:t>2</a:t>
             </a:r>
             <a:r>
-              <a:rPr lang="en-US" dirty="0" smtClean="0">
+              <a:rPr lang="en-US" dirty="0">
                 <a:solidFill>
                   <a:schemeClr val="bg1"/>
                 </a:solidFill>
@@ -14882,7 +14442,7 @@
               <a:t>,…, </a:t>
             </a:r>
             <a:r>
-              <a:rPr lang="en-US" dirty="0" err="1" smtClean="0">
+              <a:rPr lang="en-US" dirty="0" err="1">
                 <a:solidFill>
                   <a:schemeClr val="bg1"/>
                 </a:solidFill>
@@ -14890,7 +14450,7 @@
               <a:t>C</a:t>
             </a:r>
             <a:r>
-              <a:rPr lang="en-US" baseline="-25000" dirty="0" err="1" smtClean="0">
+              <a:rPr lang="en-US" baseline="-25000" dirty="0" err="1">
                 <a:solidFill>
                   <a:schemeClr val="bg1"/>
                 </a:solidFill>
@@ -14898,18 +14458,13 @@
               <a:t>k</a:t>
             </a:r>
             <a:r>
-              <a:rPr lang="en-US" dirty="0" smtClean="0">
+              <a:rPr lang="en-US" dirty="0">
                 <a:solidFill>
                   <a:schemeClr val="bg1"/>
                 </a:solidFill>
               </a:rPr>
               <a:t>: probability that detected object is class 1,…, class k</a:t>
             </a:r>
-            <a:endParaRPr lang="en-US" dirty="0">
-              <a:solidFill>
-                <a:schemeClr val="bg1"/>
-              </a:solidFill>
-            </a:endParaRPr>
           </a:p>
         </p:txBody>
       </p:sp>
@@ -14923,13 +14478,6 @@
   <p:clrMapOvr>
     <a:masterClrMapping/>
   </p:clrMapOvr>
-  <p:timing>
-    <p:tnLst>
-      <p:par>
-        <p:cTn id="1" dur="indefinite" restart="never" nodeType="tmRoot"/>
-      </p:par>
-    </p:tnLst>
-  </p:timing>
 </p:sld>
 </file>
 
@@ -14995,13 +14543,8 @@
           <a:p>
             <a:r>
               <a:rPr lang="en-US" sz="2400" b="1" dirty="0"/>
-              <a:t>2</a:t>
-            </a:r>
-            <a:r>
-              <a:rPr lang="en-US" sz="2400" b="1" dirty="0" smtClean="0"/>
-              <a:t>. YOLO algorithms details</a:t>
-            </a:r>
-            <a:endParaRPr lang="en-US" sz="2400" b="1" dirty="0"/>
+              <a:t>2. YOLO algorithms details</a:t>
+            </a:r>
           </a:p>
         </p:txBody>
       </p:sp>
@@ -15028,7 +14571,7 @@
           <a:lstStyle/>
           <a:p>
             <a:r>
-              <a:rPr lang="en-US" sz="2000" dirty="0" smtClean="0"/>
+              <a:rPr lang="en-US" sz="2000" dirty="0"/>
               <a:t>Details of image pre-processing unit and CNN</a:t>
             </a:r>
           </a:p>
@@ -15095,18 +14638,13 @@
           <a:lstStyle/>
           <a:p>
             <a:r>
-              <a:rPr lang="en-US" sz="1400" dirty="0" smtClean="0">
+              <a:rPr lang="en-US" sz="1400" dirty="0">
                 <a:solidFill>
                   <a:schemeClr val="bg1"/>
                 </a:solidFill>
               </a:rPr>
               <a:t>Image pre-processing unit and CNN</a:t>
             </a:r>
-            <a:endParaRPr lang="en-US" sz="1400" dirty="0">
-              <a:solidFill>
-                <a:schemeClr val="bg1"/>
-              </a:solidFill>
-            </a:endParaRPr>
           </a:p>
         </p:txBody>
       </p:sp>
@@ -15171,18 +14709,13 @@
           <a:lstStyle/>
           <a:p>
             <a:r>
-              <a:rPr lang="en-US" sz="1400" dirty="0" smtClean="0">
+              <a:rPr lang="en-US" sz="1400" dirty="0">
                 <a:solidFill>
                   <a:schemeClr val="bg1"/>
                 </a:solidFill>
               </a:rPr>
               <a:t>Loss calculation: serving for training process</a:t>
             </a:r>
-            <a:endParaRPr lang="en-US" sz="1400" dirty="0">
-              <a:solidFill>
-                <a:schemeClr val="bg1"/>
-              </a:solidFill>
-            </a:endParaRPr>
           </a:p>
         </p:txBody>
       </p:sp>
@@ -15312,13 +14845,6 @@
   <p:clrMapOvr>
     <a:masterClrMapping/>
   </p:clrMapOvr>
-  <p:timing>
-    <p:tnLst>
-      <p:par>
-        <p:cTn id="1" dur="indefinite" restart="never" nodeType="tmRoot"/>
-      </p:par>
-    </p:tnLst>
-  </p:timing>
 </p:sld>
 </file>
 
@@ -15384,13 +14910,8 @@
           <a:p>
             <a:r>
               <a:rPr lang="en-US" sz="2400" b="1" dirty="0"/>
-              <a:t>2</a:t>
-            </a:r>
-            <a:r>
-              <a:rPr lang="en-US" sz="2400" b="1" dirty="0" smtClean="0"/>
-              <a:t>. YOLO algorithms details</a:t>
-            </a:r>
-            <a:endParaRPr lang="en-US" sz="2400" b="1" dirty="0"/>
+              <a:t>2. YOLO algorithms details</a:t>
+            </a:r>
           </a:p>
         </p:txBody>
       </p:sp>
@@ -15417,13 +14938,13 @@
           <a:lstStyle/>
           <a:p>
             <a:r>
-              <a:rPr lang="en-US" sz="2000" dirty="0" smtClean="0"/>
+              <a:rPr lang="en-US" sz="2000" dirty="0"/>
               <a:t>Details of image pre-processing unit and CNN</a:t>
             </a:r>
           </a:p>
           <a:p>
             <a:r>
-              <a:rPr lang="en-US" sz="2000" dirty="0" smtClean="0">
+              <a:rPr lang="en-US" sz="2000" dirty="0">
                 <a:solidFill>
                   <a:schemeClr val="bg1"/>
                 </a:solidFill>
@@ -15480,18 +15001,13 @@
           <a:lstStyle/>
           <a:p>
             <a:r>
-              <a:rPr lang="en-US" sz="2000" dirty="0" smtClean="0">
+              <a:rPr lang="en-US" sz="2000" dirty="0">
                 <a:solidFill>
                   <a:schemeClr val="bg1"/>
                 </a:solidFill>
               </a:rPr>
               <a:t>Generator unit: Adjust size of image, augment images and assign objects to YOLO layer</a:t>
             </a:r>
-            <a:endParaRPr lang="en-US" sz="2000" dirty="0">
-              <a:solidFill>
-                <a:schemeClr val="bg1"/>
-              </a:solidFill>
-            </a:endParaRPr>
           </a:p>
         </p:txBody>
       </p:sp>
@@ -15884,13 +15400,8 @@
           <a:p>
             <a:r>
               <a:rPr lang="en-US" sz="2400" b="1" dirty="0"/>
-              <a:t>2</a:t>
-            </a:r>
-            <a:r>
-              <a:rPr lang="en-US" sz="2400" b="1" dirty="0" smtClean="0"/>
-              <a:t>. YOLO algorithms details</a:t>
-            </a:r>
-            <a:endParaRPr lang="en-US" sz="2400" b="1" dirty="0"/>
+              <a:t>2. YOLO algorithms details</a:t>
+            </a:r>
           </a:p>
         </p:txBody>
       </p:sp>
@@ -15917,7 +15428,7 @@
           <a:lstStyle/>
           <a:p>
             <a:r>
-              <a:rPr lang="en-US" sz="2000" dirty="0" smtClean="0">
+              <a:rPr lang="en-US" sz="2000" dirty="0">
                 <a:solidFill>
                   <a:schemeClr val="bg1"/>
                 </a:solidFill>
@@ -16025,18 +15536,13 @@
           <a:lstStyle/>
           <a:p>
             <a:r>
-              <a:rPr lang="en-US" sz="1400" dirty="0" smtClean="0">
+              <a:rPr lang="en-US" sz="1400" dirty="0">
                 <a:solidFill>
                   <a:schemeClr val="bg1"/>
                 </a:solidFill>
               </a:rPr>
               <a:t>Output processing unit</a:t>
             </a:r>
-            <a:endParaRPr lang="en-US" sz="1400" dirty="0">
-              <a:solidFill>
-                <a:schemeClr val="bg1"/>
-              </a:solidFill>
-            </a:endParaRPr>
           </a:p>
         </p:txBody>
       </p:sp>
@@ -16063,7 +15569,7 @@
           <a:lstStyle/>
           <a:p>
             <a:r>
-              <a:rPr lang="en-US" sz="2000" dirty="0" err="1" smtClean="0">
+              <a:rPr lang="en-US" sz="2000" dirty="0" err="1">
                 <a:solidFill>
                   <a:schemeClr val="bg1"/>
                 </a:solidFill>
@@ -16071,7 +15577,7 @@
               <a:t>Decode_netout</a:t>
             </a:r>
             <a:r>
-              <a:rPr lang="en-US" sz="2000" dirty="0" smtClean="0">
+              <a:rPr lang="en-US" sz="2000" dirty="0">
                 <a:solidFill>
                   <a:schemeClr val="bg1"/>
                 </a:solidFill>
@@ -16081,7 +15587,7 @@
           </a:p>
           <a:p>
             <a:r>
-              <a:rPr lang="en-US" sz="2000" dirty="0" smtClean="0">
+              <a:rPr lang="en-US" sz="2000" dirty="0">
                 <a:solidFill>
                   <a:schemeClr val="bg1"/>
                 </a:solidFill>
@@ -16089,7 +15595,7 @@
               <a:t>- Calculating </a:t>
             </a:r>
             <a:r>
-              <a:rPr lang="en-US" sz="2000" dirty="0" err="1" smtClean="0">
+              <a:rPr lang="en-US" sz="2000" dirty="0" err="1">
                 <a:solidFill>
                   <a:schemeClr val="bg1"/>
                 </a:solidFill>
@@ -16097,7 +15603,7 @@
               <a:t>objectness</a:t>
             </a:r>
             <a:r>
-              <a:rPr lang="en-US" sz="2000" dirty="0" smtClean="0">
+              <a:rPr lang="en-US" sz="2000" dirty="0">
                 <a:solidFill>
                   <a:schemeClr val="bg1"/>
                 </a:solidFill>
@@ -16107,7 +15613,7 @@
           </a:p>
           <a:p>
             <a:r>
-              <a:rPr lang="en-US" sz="2000" dirty="0" smtClean="0">
+              <a:rPr lang="en-US" sz="2000" dirty="0">
                 <a:solidFill>
                   <a:schemeClr val="bg1"/>
                 </a:solidFill>
@@ -16115,7 +15621,7 @@
               <a:t>- Removing boxes with </a:t>
             </a:r>
             <a:r>
-              <a:rPr lang="en-US" sz="2000" dirty="0" err="1" smtClean="0">
+              <a:rPr lang="en-US" sz="2000" dirty="0" err="1">
                 <a:solidFill>
                   <a:schemeClr val="bg1"/>
                 </a:solidFill>
@@ -16123,7 +15629,7 @@
               <a:t>objectness</a:t>
             </a:r>
             <a:r>
-              <a:rPr lang="en-US" sz="2000" dirty="0" smtClean="0">
+              <a:rPr lang="en-US" sz="2000" dirty="0">
                 <a:solidFill>
                   <a:schemeClr val="bg1"/>
                 </a:solidFill>
@@ -16138,20 +15644,12 @@
                   <a:schemeClr val="bg1"/>
                 </a:solidFill>
               </a:rPr>
-              <a:t>w</a:t>
-            </a:r>
-            <a:r>
-              <a:rPr lang="en-US" sz="2000" dirty="0" smtClean="0">
-                <a:solidFill>
-                  <a:schemeClr val="bg1"/>
-                </a:solidFill>
-              </a:rPr>
-              <a:t>hich is less than 0.5 </a:t>
-            </a:r>
-          </a:p>
-          <a:p>
-            <a:r>
-              <a:rPr lang="en-US" sz="2000" dirty="0" smtClean="0">
+              <a:t>which is less than 0.5 </a:t>
+            </a:r>
+          </a:p>
+          <a:p>
+            <a:r>
+              <a:rPr lang="en-US" sz="2000" dirty="0">
                 <a:solidFill>
                   <a:schemeClr val="bg1"/>
                 </a:solidFill>
@@ -16159,7 +15657,7 @@
               <a:t>- Returning a list of </a:t>
             </a:r>
             <a:r>
-              <a:rPr lang="en-US" sz="2000" dirty="0" err="1" smtClean="0">
+              <a:rPr lang="en-US" sz="2000" dirty="0" err="1">
                 <a:solidFill>
                   <a:schemeClr val="bg1"/>
                 </a:solidFill>
@@ -16167,7 +15665,7 @@
               <a:t>boundbox</a:t>
             </a:r>
             <a:r>
-              <a:rPr lang="en-US" sz="2000" dirty="0" smtClean="0">
+              <a:rPr lang="en-US" sz="2000" dirty="0">
                 <a:solidFill>
                   <a:schemeClr val="bg1"/>
                 </a:solidFill>
@@ -16177,7 +15675,7 @@
           </a:p>
           <a:p>
             <a:r>
-              <a:rPr lang="en-US" sz="2000" dirty="0" smtClean="0">
+              <a:rPr lang="en-US" sz="2000" dirty="0">
                 <a:solidFill>
                   <a:schemeClr val="bg1"/>
                 </a:solidFill>
@@ -16185,7 +15683,7 @@
               <a:t>(</a:t>
             </a:r>
             <a:r>
-              <a:rPr lang="en-US" sz="2000" dirty="0" err="1" smtClean="0">
+              <a:rPr lang="en-US" sz="2000" dirty="0" err="1">
                 <a:solidFill>
                   <a:schemeClr val="bg1"/>
                 </a:solidFill>
@@ -16193,7 +15691,7 @@
               <a:t>x</a:t>
             </a:r>
             <a:r>
-              <a:rPr lang="en-US" sz="2000" baseline="-25000" dirty="0" err="1" smtClean="0">
+              <a:rPr lang="en-US" sz="2000" baseline="-25000" dirty="0" err="1">
                 <a:solidFill>
                   <a:schemeClr val="bg1"/>
                 </a:solidFill>
@@ -16201,7 +15699,7 @@
               <a:t>min</a:t>
             </a:r>
             <a:r>
-              <a:rPr lang="en-US" sz="2000" dirty="0" smtClean="0">
+              <a:rPr lang="en-US" sz="2000" dirty="0">
                 <a:solidFill>
                   <a:schemeClr val="bg1"/>
                 </a:solidFill>
@@ -16209,7 +15707,7 @@
               <a:t>, </a:t>
             </a:r>
             <a:r>
-              <a:rPr lang="en-US" sz="2000" dirty="0" err="1" smtClean="0">
+              <a:rPr lang="en-US" sz="2000" dirty="0" err="1">
                 <a:solidFill>
                   <a:schemeClr val="bg1"/>
                 </a:solidFill>
@@ -16217,7 +15715,7 @@
               <a:t>y</a:t>
             </a:r>
             <a:r>
-              <a:rPr lang="en-US" sz="2000" baseline="-25000" dirty="0" err="1" smtClean="0">
+              <a:rPr lang="en-US" sz="2000" baseline="-25000" dirty="0" err="1">
                 <a:solidFill>
                   <a:schemeClr val="bg1"/>
                 </a:solidFill>
@@ -16225,7 +15723,7 @@
               <a:t>min</a:t>
             </a:r>
             <a:r>
-              <a:rPr lang="en-US" sz="2000" dirty="0" smtClean="0">
+              <a:rPr lang="en-US" sz="2000" dirty="0">
                 <a:solidFill>
                   <a:schemeClr val="bg1"/>
                 </a:solidFill>
@@ -16233,7 +15731,7 @@
               <a:t>, </a:t>
             </a:r>
             <a:r>
-              <a:rPr lang="en-US" sz="2000" dirty="0" err="1" smtClean="0">
+              <a:rPr lang="en-US" sz="2000" dirty="0" err="1">
                 <a:solidFill>
                   <a:schemeClr val="bg1"/>
                 </a:solidFill>
@@ -16241,7 +15739,7 @@
               <a:t>x</a:t>
             </a:r>
             <a:r>
-              <a:rPr lang="en-US" sz="2000" baseline="-25000" dirty="0" err="1" smtClean="0">
+              <a:rPr lang="en-US" sz="2000" baseline="-25000" dirty="0" err="1">
                 <a:solidFill>
                   <a:schemeClr val="bg1"/>
                 </a:solidFill>
@@ -16249,7 +15747,7 @@
               <a:t>max</a:t>
             </a:r>
             <a:r>
-              <a:rPr lang="en-US" sz="2000" dirty="0" smtClean="0">
+              <a:rPr lang="en-US" sz="2000" dirty="0">
                 <a:solidFill>
                   <a:schemeClr val="bg1"/>
                 </a:solidFill>
@@ -16257,7 +15755,7 @@
               <a:t>, </a:t>
             </a:r>
             <a:r>
-              <a:rPr lang="en-US" sz="2000" dirty="0" err="1" smtClean="0">
+              <a:rPr lang="en-US" sz="2000" dirty="0" err="1">
                 <a:solidFill>
                   <a:schemeClr val="bg1"/>
                 </a:solidFill>
@@ -16265,7 +15763,7 @@
               <a:t>y</a:t>
             </a:r>
             <a:r>
-              <a:rPr lang="en-US" sz="2000" baseline="-25000" dirty="0" err="1" smtClean="0">
+              <a:rPr lang="en-US" sz="2000" baseline="-25000" dirty="0" err="1">
                 <a:solidFill>
                   <a:schemeClr val="bg1"/>
                 </a:solidFill>
@@ -16273,7 +15771,7 @@
               <a:t>max</a:t>
             </a:r>
             <a:r>
-              <a:rPr lang="en-US" sz="2000" dirty="0" smtClean="0">
+              <a:rPr lang="en-US" sz="2000" dirty="0">
                 <a:solidFill>
                   <a:schemeClr val="bg1"/>
                 </a:solidFill>
@@ -16281,7 +15779,7 @@
               <a:t>, </a:t>
             </a:r>
             <a:r>
-              <a:rPr lang="en-US" sz="2000" dirty="0" err="1" smtClean="0">
+              <a:rPr lang="en-US" sz="2000" dirty="0" err="1">
                 <a:solidFill>
                   <a:schemeClr val="bg1"/>
                 </a:solidFill>
@@ -16289,18 +15787,13 @@
               <a:t>objectness</a:t>
             </a:r>
             <a:r>
-              <a:rPr lang="en-US" sz="2000" dirty="0" smtClean="0">
+              <a:rPr lang="en-US" sz="2000" dirty="0">
                 <a:solidFill>
                   <a:schemeClr val="bg1"/>
                 </a:solidFill>
               </a:rPr>
               <a:t>, label)</a:t>
             </a:r>
-            <a:endParaRPr lang="en-US" sz="2000" dirty="0">
-              <a:solidFill>
-                <a:schemeClr val="bg1"/>
-              </a:solidFill>
-            </a:endParaRPr>
           </a:p>
         </p:txBody>
       </p:sp>
@@ -16327,7 +15820,7 @@
           <a:lstStyle/>
           <a:p>
             <a:r>
-              <a:rPr lang="en-US" sz="2000" dirty="0" err="1" smtClean="0">
+              <a:rPr lang="en-US" sz="2000" dirty="0" err="1">
                 <a:solidFill>
                   <a:schemeClr val="bg1"/>
                 </a:solidFill>
@@ -16335,7 +15828,7 @@
               <a:t>Non_max</a:t>
             </a:r>
             <a:r>
-              <a:rPr lang="en-US" sz="2000" dirty="0" smtClean="0">
+              <a:rPr lang="en-US" sz="2000" dirty="0">
                 <a:solidFill>
                   <a:schemeClr val="bg1"/>
                 </a:solidFill>
@@ -16345,7 +15838,7 @@
           </a:p>
           <a:p>
             <a:r>
-              <a:rPr lang="en-US" sz="2000" dirty="0" smtClean="0">
+              <a:rPr lang="en-US" sz="2000" dirty="0">
                 <a:solidFill>
                   <a:schemeClr val="bg1"/>
                 </a:solidFill>
@@ -16424,13 +15917,6 @@
   <p:clrMapOvr>
     <a:masterClrMapping/>
   </p:clrMapOvr>
-  <p:timing>
-    <p:tnLst>
-      <p:par>
-        <p:cTn id="1" dur="indefinite" restart="never" nodeType="tmRoot"/>
-      </p:par>
-    </p:tnLst>
-  </p:timing>
 </p:sld>
 </file>
 
@@ -16496,13 +15982,8 @@
           <a:p>
             <a:r>
               <a:rPr lang="en-US" sz="2400" b="1" dirty="0"/>
-              <a:t>2</a:t>
-            </a:r>
-            <a:r>
-              <a:rPr lang="en-US" sz="2400" b="1" dirty="0" smtClean="0"/>
-              <a:t>. YOLO algorithms details</a:t>
-            </a:r>
-            <a:endParaRPr lang="en-US" sz="2400" b="1" dirty="0"/>
+              <a:t>2. YOLO algorithms details</a:t>
+            </a:r>
           </a:p>
         </p:txBody>
       </p:sp>
@@ -16529,7 +16010,7 @@
           <a:lstStyle/>
           <a:p>
             <a:r>
-              <a:rPr lang="en-US" sz="2000" dirty="0" smtClean="0">
+              <a:rPr lang="en-US" sz="2000" dirty="0">
                 <a:solidFill>
                   <a:schemeClr val="bg1"/>
                 </a:solidFill>
@@ -16537,7 +16018,7 @@
               <a:t>Relations between vector ( </a:t>
             </a:r>
             <a:r>
-              <a:rPr lang="en-US" sz="2000" dirty="0" err="1" smtClean="0">
+              <a:rPr lang="en-US" sz="2000" dirty="0" err="1">
                 <a:solidFill>
                   <a:schemeClr val="bg1"/>
                 </a:solidFill>
@@ -16545,7 +16026,7 @@
               <a:t>t</a:t>
             </a:r>
             <a:r>
-              <a:rPr lang="en-US" sz="2000" baseline="-25000" dirty="0" err="1" smtClean="0">
+              <a:rPr lang="en-US" sz="2000" baseline="-25000" dirty="0" err="1">
                 <a:solidFill>
                   <a:schemeClr val="bg1"/>
                 </a:solidFill>
@@ -16553,7 +16034,7 @@
               <a:t>x</a:t>
             </a:r>
             <a:r>
-              <a:rPr lang="en-US" sz="2000" dirty="0" smtClean="0">
+              <a:rPr lang="en-US" sz="2000" dirty="0">
                 <a:solidFill>
                   <a:schemeClr val="bg1"/>
                 </a:solidFill>
@@ -16561,7 +16042,7 @@
               <a:t>, t</a:t>
             </a:r>
             <a:r>
-              <a:rPr lang="en-US" sz="2000" baseline="-25000" dirty="0" smtClean="0">
+              <a:rPr lang="en-US" sz="2000" baseline="-25000" dirty="0">
                 <a:solidFill>
                   <a:schemeClr val="bg1"/>
                 </a:solidFill>
@@ -16569,7 +16050,7 @@
               <a:t>y</a:t>
             </a:r>
             <a:r>
-              <a:rPr lang="en-US" sz="2000" dirty="0" smtClean="0">
+              <a:rPr lang="en-US" sz="2000" dirty="0">
                 <a:solidFill>
                   <a:schemeClr val="bg1"/>
                 </a:solidFill>
@@ -16577,7 +16058,7 @@
               <a:t>, </a:t>
             </a:r>
             <a:r>
-              <a:rPr lang="en-US" sz="2000" dirty="0" err="1" smtClean="0">
+              <a:rPr lang="en-US" sz="2000" dirty="0" err="1">
                 <a:solidFill>
                   <a:schemeClr val="bg1"/>
                 </a:solidFill>
@@ -16585,7 +16066,7 @@
               <a:t>t</a:t>
             </a:r>
             <a:r>
-              <a:rPr lang="en-US" sz="2000" baseline="-25000" dirty="0" err="1" smtClean="0">
+              <a:rPr lang="en-US" sz="2000" baseline="-25000" dirty="0" err="1">
                 <a:solidFill>
                   <a:schemeClr val="bg1"/>
                 </a:solidFill>
@@ -16593,7 +16074,7 @@
               <a:t>w</a:t>
             </a:r>
             <a:r>
-              <a:rPr lang="en-US" sz="2000" dirty="0" smtClean="0">
+              <a:rPr lang="en-US" sz="2000" dirty="0">
                 <a:solidFill>
                   <a:schemeClr val="bg1"/>
                 </a:solidFill>
@@ -16601,7 +16082,7 @@
               <a:t>, </a:t>
             </a:r>
             <a:r>
-              <a:rPr lang="en-US" sz="2000" dirty="0" err="1" smtClean="0">
+              <a:rPr lang="en-US" sz="2000" dirty="0" err="1">
                 <a:solidFill>
                   <a:schemeClr val="bg1"/>
                 </a:solidFill>
@@ -16609,7 +16090,7 @@
               <a:t>t</a:t>
             </a:r>
             <a:r>
-              <a:rPr lang="en-US" sz="2000" baseline="-25000" dirty="0" err="1" smtClean="0">
+              <a:rPr lang="en-US" sz="2000" baseline="-25000" dirty="0" err="1">
                 <a:solidFill>
                   <a:schemeClr val="bg1"/>
                 </a:solidFill>
@@ -16617,7 +16098,7 @@
               <a:t>h</a:t>
             </a:r>
             <a:r>
-              <a:rPr lang="en-US" sz="2000" dirty="0" smtClean="0">
+              <a:rPr lang="en-US" sz="2000" dirty="0">
                 <a:solidFill>
                   <a:schemeClr val="bg1"/>
                 </a:solidFill>
@@ -16698,7 +16179,7 @@
           <a:lstStyle/>
           <a:p>
             <a:r>
-              <a:rPr lang="en-US" dirty="0" err="1" smtClean="0">
+              <a:rPr lang="en-US" dirty="0" err="1">
                 <a:solidFill>
                   <a:schemeClr val="bg1"/>
                 </a:solidFill>
@@ -16706,18 +16187,13 @@
               <a:t>NxN</a:t>
             </a:r>
             <a:r>
-              <a:rPr lang="en-US" dirty="0" smtClean="0">
+              <a:rPr lang="en-US" dirty="0">
                 <a:solidFill>
                   <a:schemeClr val="bg1"/>
                 </a:solidFill>
               </a:rPr>
               <a:t> grid</a:t>
             </a:r>
-            <a:endParaRPr lang="en-US" dirty="0">
-              <a:solidFill>
-                <a:schemeClr val="bg1"/>
-              </a:solidFill>
-            </a:endParaRPr>
           </a:p>
         </p:txBody>
       </p:sp>
@@ -16748,7 +16224,7 @@
               <a:buChar char="Ø"/>
             </a:pPr>
             <a:r>
-              <a:rPr lang="en-US" dirty="0" err="1" smtClean="0">
+              <a:rPr lang="en-US" dirty="0" err="1">
                 <a:solidFill>
                   <a:schemeClr val="bg1"/>
                 </a:solidFill>
@@ -16756,7 +16232,7 @@
               <a:t>b</a:t>
             </a:r>
             <a:r>
-              <a:rPr lang="en-US" baseline="-25000" dirty="0" err="1" smtClean="0">
+              <a:rPr lang="en-US" baseline="-25000" dirty="0" err="1">
                 <a:solidFill>
                   <a:schemeClr val="bg1"/>
                 </a:solidFill>
@@ -16764,7 +16240,7 @@
               <a:t>x</a:t>
             </a:r>
             <a:r>
-              <a:rPr lang="en-US" dirty="0" smtClean="0">
+              <a:rPr lang="en-US" dirty="0">
                 <a:solidFill>
                   <a:schemeClr val="bg1"/>
                 </a:solidFill>
@@ -16772,7 +16248,7 @@
               <a:t>, b</a:t>
             </a:r>
             <a:r>
-              <a:rPr lang="en-US" baseline="-25000" dirty="0" smtClean="0">
+              <a:rPr lang="en-US" baseline="-25000" dirty="0">
                 <a:solidFill>
                   <a:schemeClr val="bg1"/>
                 </a:solidFill>
@@ -16780,7 +16256,7 @@
               <a:t>y </a:t>
             </a:r>
             <a:r>
-              <a:rPr lang="en-US" dirty="0" smtClean="0">
+              <a:rPr lang="en-US" dirty="0">
                 <a:solidFill>
                   <a:schemeClr val="bg1"/>
                 </a:solidFill>
@@ -16802,7 +16278,7 @@
               <a:buChar char="Ø"/>
             </a:pPr>
             <a:r>
-              <a:rPr lang="en-US" dirty="0" err="1" smtClean="0">
+              <a:rPr lang="en-US" dirty="0" err="1">
                 <a:solidFill>
                   <a:schemeClr val="bg1"/>
                 </a:solidFill>
@@ -16810,7 +16286,7 @@
               <a:t>b</a:t>
             </a:r>
             <a:r>
-              <a:rPr lang="en-US" baseline="-25000" dirty="0" err="1" smtClean="0">
+              <a:rPr lang="en-US" baseline="-25000" dirty="0" err="1">
                 <a:solidFill>
                   <a:schemeClr val="bg1"/>
                 </a:solidFill>
@@ -16818,7 +16294,7 @@
               <a:t>w</a:t>
             </a:r>
             <a:r>
-              <a:rPr lang="en-US" dirty="0" smtClean="0">
+              <a:rPr lang="en-US" dirty="0">
                 <a:solidFill>
                   <a:schemeClr val="bg1"/>
                 </a:solidFill>
@@ -16826,7 +16302,7 @@
               <a:t>, </a:t>
             </a:r>
             <a:r>
-              <a:rPr lang="en-US" dirty="0" err="1" smtClean="0">
+              <a:rPr lang="en-US" dirty="0" err="1">
                 <a:solidFill>
                   <a:schemeClr val="bg1"/>
                 </a:solidFill>
@@ -16834,7 +16310,7 @@
               <a:t>b</a:t>
             </a:r>
             <a:r>
-              <a:rPr lang="en-US" baseline="-25000" dirty="0" err="1" smtClean="0">
+              <a:rPr lang="en-US" baseline="-25000" dirty="0" err="1">
                 <a:solidFill>
                   <a:schemeClr val="bg1"/>
                 </a:solidFill>
@@ -16842,7 +16318,7 @@
               <a:t>h</a:t>
             </a:r>
             <a:r>
-              <a:rPr lang="en-US" dirty="0" smtClean="0">
+              <a:rPr lang="en-US" dirty="0">
                 <a:solidFill>
                   <a:schemeClr val="bg1"/>
                 </a:solidFill>
@@ -16856,7 +16332,7 @@
               <a:buChar char="Ø"/>
             </a:pPr>
             <a:r>
-              <a:rPr lang="en-US" dirty="0" smtClean="0">
+              <a:rPr lang="en-US" dirty="0">
                 <a:solidFill>
                   <a:schemeClr val="bg1"/>
                 </a:solidFill>
@@ -16864,7 +16340,7 @@
               <a:t>p</a:t>
             </a:r>
             <a:r>
-              <a:rPr lang="en-US" baseline="-25000" dirty="0" smtClean="0">
+              <a:rPr lang="en-US" baseline="-25000" dirty="0">
                 <a:solidFill>
                   <a:schemeClr val="bg1"/>
                 </a:solidFill>
@@ -16872,7 +16348,7 @@
               <a:t>w</a:t>
             </a:r>
             <a:r>
-              <a:rPr lang="en-US" dirty="0" smtClean="0">
+              <a:rPr lang="en-US" dirty="0">
                 <a:solidFill>
                   <a:schemeClr val="bg1"/>
                 </a:solidFill>
@@ -16880,7 +16356,7 @@
               <a:t>, </a:t>
             </a:r>
             <a:r>
-              <a:rPr lang="en-US" dirty="0" err="1" smtClean="0">
+              <a:rPr lang="en-US" dirty="0" err="1">
                 <a:solidFill>
                   <a:schemeClr val="bg1"/>
                 </a:solidFill>
@@ -16888,7 +16364,7 @@
               <a:t>p</a:t>
             </a:r>
             <a:r>
-              <a:rPr lang="en-US" baseline="-25000" dirty="0" err="1" smtClean="0">
+              <a:rPr lang="en-US" baseline="-25000" dirty="0" err="1">
                 <a:solidFill>
                   <a:schemeClr val="bg1"/>
                 </a:solidFill>
@@ -16896,7 +16372,7 @@
               <a:t>h</a:t>
             </a:r>
             <a:r>
-              <a:rPr lang="en-US" dirty="0" smtClean="0">
+              <a:rPr lang="en-US" dirty="0">
                 <a:solidFill>
                   <a:schemeClr val="bg1"/>
                 </a:solidFill>
@@ -16910,7 +16386,7 @@
               <a:buChar char="Ø"/>
             </a:pPr>
             <a:r>
-              <a:rPr lang="az-Cyrl-AZ" dirty="0" smtClean="0">
+              <a:rPr lang="az-Cyrl-AZ" dirty="0">
                 <a:solidFill>
                   <a:schemeClr val="bg1"/>
                 </a:solidFill>
@@ -16918,7 +16394,7 @@
               <a:t>б</a:t>
             </a:r>
             <a:r>
-              <a:rPr lang="en-US" dirty="0" smtClean="0">
+              <a:rPr lang="en-US" dirty="0">
                 <a:solidFill>
                   <a:schemeClr val="bg1"/>
                 </a:solidFill>
@@ -16929,7 +16405,7 @@
           <a:p>
             <a:pPr algn="just"/>
             <a:r>
-              <a:rPr lang="en-US" dirty="0" smtClean="0">
+              <a:rPr lang="en-US" dirty="0">
                 <a:solidFill>
                   <a:schemeClr val="bg1"/>
                 </a:solidFill>
@@ -16945,15 +16421,7 @@
                   <a:schemeClr val="bg1"/>
                 </a:solidFill>
               </a:rPr>
-              <a:t>	</a:t>
-            </a:r>
-            <a:r>
-              <a:rPr lang="en-US" dirty="0" smtClean="0">
-                <a:solidFill>
-                  <a:schemeClr val="bg1"/>
-                </a:solidFill>
-              </a:rPr>
-              <a:t>sigmoid(x)= 1/(1+exp(-x))   </a:t>
+              <a:t>	sigmoid(x)= 1/(1+exp(-x))   </a:t>
             </a:r>
           </a:p>
         </p:txBody>
@@ -17027,13 +16495,6 @@
   <p:clrMapOvr>
     <a:masterClrMapping/>
   </p:clrMapOvr>
-  <p:timing>
-    <p:tnLst>
-      <p:par>
-        <p:cTn id="1" dur="indefinite" restart="never" nodeType="tmRoot"/>
-      </p:par>
-    </p:tnLst>
-  </p:timing>
 </p:sld>
 </file>
 

--- a/Presentation_slides.pptx
+++ b/Presentation_slides.pptx
@@ -11506,10 +11506,10 @@
       </p:sp>
       <p:pic>
         <p:nvPicPr>
-          <p:cNvPr id="3" name="Picture 2">
+          <p:cNvPr id="6" name="Picture 5">
             <a:extLst>
               <a:ext uri="{FF2B5EF4-FFF2-40B4-BE49-F238E27FC236}">
-                <a16:creationId xmlns:a16="http://schemas.microsoft.com/office/drawing/2014/main" id="{6DDFC98D-0C88-BA42-9930-A932EB2020B9}"/>
+                <a16:creationId xmlns:a16="http://schemas.microsoft.com/office/drawing/2014/main" id="{904B3384-790A-59AA-E01C-3F7A91CD8562}"/>
               </a:ext>
             </a:extLst>
           </p:cNvPr>
@@ -11526,8 +11526,8 @@
         </p:blipFill>
         <p:spPr>
           <a:xfrm>
-            <a:off x="6445568" y="5206093"/>
-            <a:ext cx="5302483" cy="1276416"/>
+            <a:off x="6445568" y="5195477"/>
+            <a:ext cx="5302483" cy="1301817"/>
           </a:xfrm>
           <a:prstGeom prst="rect">
             <a:avLst/>
